--- a/doc/02. 프로젝트 구현 자료/비전이동(2조)발표자료.pptx
+++ b/doc/02. 프로젝트 구현 자료/비전이동(2조)발표자료.pptx
@@ -494,6 +494,473 @@
     </a:lvl9pPr>
   </p:notesStyle>
 </p:notesMaster>
+</file>
+
+<file path=ppt/notesSlides/notesSlide1.xml><?xml version="1.0" encoding="utf-8"?>
+<p:notes xmlns:a="http://schemas.openxmlformats.org/drawingml/2006/main" xmlns:r="http://schemas.openxmlformats.org/officeDocument/2006/relationships" xmlns:p="http://schemas.openxmlformats.org/presentationml/2006/main">
+  <p:cSld>
+    <p:spTree>
+      <p:nvGrpSpPr>
+        <p:cNvPr id="1" name=""/>
+        <p:cNvGrpSpPr/>
+        <p:nvPr/>
+      </p:nvGrpSpPr>
+      <p:grpSpPr>
+        <a:xfrm>
+          <a:off x="0" y="0"/>
+          <a:ext cx="0" cy="0"/>
+          <a:chOff x="0" y="0"/>
+          <a:chExt cx="0" cy="0"/>
+        </a:xfrm>
+      </p:grpSpPr>
+      <p:sp>
+        <p:nvSpPr>
+          <p:cNvPr id="2" name="슬라이드 이미지 개체 틀 1"/>
+          <p:cNvSpPr>
+            <a:spLocks noGrp="1" noRot="1" noChangeAspect="1"/>
+          </p:cNvSpPr>
+          <p:nvPr>
+            <p:ph type="sldImg"/>
+          </p:nvPr>
+        </p:nvSpPr>
+        <p:spPr/>
+      </p:sp>
+      <p:sp>
+        <p:nvSpPr>
+          <p:cNvPr id="3" name="슬라이드 노트 개체 틀 2"/>
+          <p:cNvSpPr>
+            <a:spLocks noGrp="1"/>
+          </p:cNvSpPr>
+          <p:nvPr>
+            <p:ph type="body" idx="1"/>
+          </p:nvPr>
+        </p:nvSpPr>
+        <p:spPr/>
+        <p:txBody>
+          <a:bodyPr/>
+          <a:lstStyle/>
+          <a:p>
+            <a:r>
+              <a:rPr lang="ko-KR" altLang="en-US" dirty="0"/>
+              <a:t>코로나로 공장 가동 중단 </a:t>
+            </a:r>
+            <a:r>
+              <a:rPr lang="en-US" altLang="ko-KR" dirty="0"/>
+              <a:t>,</a:t>
+            </a:r>
+            <a:r>
+              <a:rPr lang="ko-KR" altLang="en-US" dirty="0" err="1"/>
+              <a:t>언택트</a:t>
+            </a:r>
+            <a:r>
+              <a:rPr lang="ko-KR" altLang="en-US" dirty="0"/>
+              <a:t> </a:t>
+            </a:r>
+            <a:r>
+              <a:rPr lang="en-US" altLang="ko-KR" dirty="0"/>
+              <a:t>,</a:t>
+            </a:r>
+            <a:r>
+              <a:rPr lang="ko-KR" altLang="en-US" dirty="0"/>
+              <a:t>포스트 코로나 시대</a:t>
+            </a:r>
+            <a:endParaRPr lang="en-US" altLang="ko-KR" dirty="0"/>
+          </a:p>
+          <a:p>
+            <a:endParaRPr lang="en-US" altLang="ko-KR" dirty="0"/>
+          </a:p>
+          <a:p>
+            <a:r>
+              <a:rPr lang="ko-KR" altLang="en-US" dirty="0"/>
+              <a:t>관련 뉴스 발췌</a:t>
+            </a:r>
+            <a:r>
+              <a:rPr lang="en-US" altLang="ko-KR" dirty="0"/>
+              <a:t>(</a:t>
+            </a:r>
+            <a:r>
+              <a:rPr lang="ko-KR" altLang="en-US" dirty="0"/>
+              <a:t>출처 포함</a:t>
+            </a:r>
+          </a:p>
+        </p:txBody>
+      </p:sp>
+      <p:sp>
+        <p:nvSpPr>
+          <p:cNvPr id="4" name="슬라이드 번호 개체 틀 3"/>
+          <p:cNvSpPr>
+            <a:spLocks noGrp="1"/>
+          </p:cNvSpPr>
+          <p:nvPr>
+            <p:ph type="sldNum" sz="quarter" idx="5"/>
+          </p:nvPr>
+        </p:nvSpPr>
+        <p:spPr/>
+        <p:txBody>
+          <a:bodyPr/>
+          <a:lstStyle/>
+          <a:p>
+            <a:fld id="{598E0300-91F8-4E7B-8C6F-E8749E700335}" type="slidenum">
+              <a:rPr lang="ko-KR" altLang="en-US" smtClean="0"/>
+              <a:t>6</a:t>
+            </a:fld>
+            <a:endParaRPr lang="ko-KR" altLang="en-US"/>
+          </a:p>
+        </p:txBody>
+      </p:sp>
+    </p:spTree>
+    <p:extLst>
+      <p:ext uri="{BB962C8B-B14F-4D97-AF65-F5344CB8AC3E}">
+        <p14:creationId xmlns:p14="http://schemas.microsoft.com/office/powerpoint/2010/main" val="4275778599"/>
+      </p:ext>
+    </p:extLst>
+  </p:cSld>
+  <p:clrMapOvr>
+    <a:masterClrMapping/>
+  </p:clrMapOvr>
+</p:notes>
+</file>
+
+<file path=ppt/notesSlides/notesSlide2.xml><?xml version="1.0" encoding="utf-8"?>
+<p:notes xmlns:a="http://schemas.openxmlformats.org/drawingml/2006/main" xmlns:r="http://schemas.openxmlformats.org/officeDocument/2006/relationships" xmlns:p="http://schemas.openxmlformats.org/presentationml/2006/main">
+  <p:cSld>
+    <p:spTree>
+      <p:nvGrpSpPr>
+        <p:cNvPr id="1" name=""/>
+        <p:cNvGrpSpPr/>
+        <p:nvPr/>
+      </p:nvGrpSpPr>
+      <p:grpSpPr>
+        <a:xfrm>
+          <a:off x="0" y="0"/>
+          <a:ext cx="0" cy="0"/>
+          <a:chOff x="0" y="0"/>
+          <a:chExt cx="0" cy="0"/>
+        </a:xfrm>
+      </p:grpSpPr>
+      <p:sp>
+        <p:nvSpPr>
+          <p:cNvPr id="2" name="슬라이드 이미지 개체 틀 1"/>
+          <p:cNvSpPr>
+            <a:spLocks noGrp="1" noRot="1" noChangeAspect="1"/>
+          </p:cNvSpPr>
+          <p:nvPr>
+            <p:ph type="sldImg"/>
+          </p:nvPr>
+        </p:nvSpPr>
+        <p:spPr/>
+      </p:sp>
+      <p:sp>
+        <p:nvSpPr>
+          <p:cNvPr id="3" name="슬라이드 노트 개체 틀 2"/>
+          <p:cNvSpPr>
+            <a:spLocks noGrp="1"/>
+          </p:cNvSpPr>
+          <p:nvPr>
+            <p:ph type="body" idx="1"/>
+          </p:nvPr>
+        </p:nvSpPr>
+        <p:spPr/>
+        <p:txBody>
+          <a:bodyPr/>
+          <a:lstStyle/>
+          <a:p>
+            <a:r>
+              <a:rPr lang="ko-KR" altLang="en-US" dirty="0" err="1"/>
+              <a:t>스마트팩토리</a:t>
+            </a:r>
+            <a:r>
+              <a:rPr lang="ko-KR" altLang="en-US" dirty="0"/>
+              <a:t> 투자 증가 </a:t>
+            </a:r>
+            <a:r>
+              <a:rPr lang="en-US" altLang="ko-KR" dirty="0"/>
+              <a:t>,</a:t>
+            </a:r>
+            <a:r>
+              <a:rPr lang="ko-KR" altLang="en-US" dirty="0" err="1"/>
+              <a:t>스마트팩토리</a:t>
+            </a:r>
+            <a:r>
+              <a:rPr lang="ko-KR" altLang="en-US" dirty="0"/>
+              <a:t> 공장 증가</a:t>
+            </a:r>
+            <a:r>
+              <a:rPr lang="en-US" altLang="ko-KR" dirty="0"/>
+              <a:t>,</a:t>
+            </a:r>
+            <a:r>
+              <a:rPr lang="ko-KR" altLang="en-US" dirty="0"/>
+              <a:t>등등</a:t>
+            </a:r>
+            <a:endParaRPr lang="en-US" altLang="ko-KR" dirty="0"/>
+          </a:p>
+          <a:p>
+            <a:r>
+              <a:rPr lang="ko-KR" altLang="en-US" dirty="0"/>
+              <a:t>관련 뉴스 발췌</a:t>
+            </a:r>
+            <a:r>
+              <a:rPr lang="en-US" altLang="ko-KR" dirty="0"/>
+              <a:t> (</a:t>
+            </a:r>
+            <a:r>
+              <a:rPr lang="ko-KR" altLang="en-US" dirty="0"/>
+              <a:t>출처 포함</a:t>
+            </a:r>
+            <a:r>
+              <a:rPr lang="en-US" altLang="ko-KR" dirty="0"/>
+              <a:t>)</a:t>
+            </a:r>
+            <a:r>
+              <a:rPr lang="ko-KR" altLang="en-US" dirty="0"/>
+              <a:t>  </a:t>
+            </a:r>
+          </a:p>
+          <a:p>
+            <a:endParaRPr lang="ko-KR" altLang="en-US" dirty="0"/>
+          </a:p>
+        </p:txBody>
+      </p:sp>
+      <p:sp>
+        <p:nvSpPr>
+          <p:cNvPr id="4" name="슬라이드 번호 개체 틀 3"/>
+          <p:cNvSpPr>
+            <a:spLocks noGrp="1"/>
+          </p:cNvSpPr>
+          <p:nvPr>
+            <p:ph type="sldNum" sz="quarter" idx="5"/>
+          </p:nvPr>
+        </p:nvSpPr>
+        <p:spPr/>
+        <p:txBody>
+          <a:bodyPr/>
+          <a:lstStyle/>
+          <a:p>
+            <a:fld id="{598E0300-91F8-4E7B-8C6F-E8749E700335}" type="slidenum">
+              <a:rPr lang="ko-KR" altLang="en-US" smtClean="0"/>
+              <a:t>7</a:t>
+            </a:fld>
+            <a:endParaRPr lang="ko-KR" altLang="en-US"/>
+          </a:p>
+        </p:txBody>
+      </p:sp>
+    </p:spTree>
+    <p:extLst>
+      <p:ext uri="{BB962C8B-B14F-4D97-AF65-F5344CB8AC3E}">
+        <p14:creationId xmlns:p14="http://schemas.microsoft.com/office/powerpoint/2010/main" val="2875779750"/>
+      </p:ext>
+    </p:extLst>
+  </p:cSld>
+  <p:clrMapOvr>
+    <a:masterClrMapping/>
+  </p:clrMapOvr>
+</p:notes>
+</file>
+
+<file path=ppt/notesSlides/notesSlide3.xml><?xml version="1.0" encoding="utf-8"?>
+<p:notes xmlns:a="http://schemas.openxmlformats.org/drawingml/2006/main" xmlns:r="http://schemas.openxmlformats.org/officeDocument/2006/relationships" xmlns:p="http://schemas.openxmlformats.org/presentationml/2006/main">
+  <p:cSld>
+    <p:spTree>
+      <p:nvGrpSpPr>
+        <p:cNvPr id="1" name=""/>
+        <p:cNvGrpSpPr/>
+        <p:nvPr/>
+      </p:nvGrpSpPr>
+      <p:grpSpPr>
+        <a:xfrm>
+          <a:off x="0" y="0"/>
+          <a:ext cx="0" cy="0"/>
+          <a:chOff x="0" y="0"/>
+          <a:chExt cx="0" cy="0"/>
+        </a:xfrm>
+      </p:grpSpPr>
+      <p:sp>
+        <p:nvSpPr>
+          <p:cNvPr id="2" name="슬라이드 이미지 개체 틀 1"/>
+          <p:cNvSpPr>
+            <a:spLocks noGrp="1" noRot="1" noChangeAspect="1"/>
+          </p:cNvSpPr>
+          <p:nvPr>
+            <p:ph type="sldImg"/>
+          </p:nvPr>
+        </p:nvSpPr>
+        <p:spPr/>
+      </p:sp>
+      <p:sp>
+        <p:nvSpPr>
+          <p:cNvPr id="3" name="슬라이드 노트 개체 틀 2"/>
+          <p:cNvSpPr>
+            <a:spLocks noGrp="1"/>
+          </p:cNvSpPr>
+          <p:nvPr>
+            <p:ph type="body" idx="1"/>
+          </p:nvPr>
+        </p:nvSpPr>
+        <p:spPr/>
+        <p:txBody>
+          <a:bodyPr/>
+          <a:lstStyle/>
+          <a:p>
+            <a:r>
+              <a:rPr lang="ko-KR" altLang="en-US" dirty="0"/>
+              <a:t>효율성</a:t>
+            </a:r>
+            <a:r>
+              <a:rPr lang="en-US" altLang="ko-KR" dirty="0"/>
+              <a:t>, </a:t>
+            </a:r>
+            <a:r>
+              <a:rPr lang="ko-KR" altLang="en-US" dirty="0"/>
+              <a:t>생산성 증가로 매출 증가 관련 뉴스 </a:t>
+            </a:r>
+            <a:endParaRPr lang="en-US" altLang="ko-KR" dirty="0"/>
+          </a:p>
+          <a:p>
+            <a:r>
+              <a:rPr lang="ko-KR" altLang="en-US" dirty="0"/>
+              <a:t>관련 뉴스 발췌</a:t>
+            </a:r>
+            <a:r>
+              <a:rPr lang="en-US" altLang="ko-KR" dirty="0"/>
+              <a:t> (</a:t>
+            </a:r>
+            <a:r>
+              <a:rPr lang="ko-KR" altLang="en-US" dirty="0"/>
+              <a:t>출처 포함</a:t>
+            </a:r>
+            <a:r>
+              <a:rPr lang="en-US" altLang="ko-KR" dirty="0"/>
+              <a:t>)</a:t>
+            </a:r>
+            <a:r>
+              <a:rPr lang="ko-KR" altLang="en-US" dirty="0"/>
+              <a:t>  </a:t>
+            </a:r>
+          </a:p>
+          <a:p>
+            <a:endParaRPr lang="ko-KR" altLang="en-US" dirty="0"/>
+          </a:p>
+        </p:txBody>
+      </p:sp>
+      <p:sp>
+        <p:nvSpPr>
+          <p:cNvPr id="4" name="슬라이드 번호 개체 틀 3"/>
+          <p:cNvSpPr>
+            <a:spLocks noGrp="1"/>
+          </p:cNvSpPr>
+          <p:nvPr>
+            <p:ph type="sldNum" sz="quarter" idx="5"/>
+          </p:nvPr>
+        </p:nvSpPr>
+        <p:spPr/>
+        <p:txBody>
+          <a:bodyPr/>
+          <a:lstStyle/>
+          <a:p>
+            <a:fld id="{598E0300-91F8-4E7B-8C6F-E8749E700335}" type="slidenum">
+              <a:rPr lang="ko-KR" altLang="en-US" smtClean="0"/>
+              <a:t>8</a:t>
+            </a:fld>
+            <a:endParaRPr lang="ko-KR" altLang="en-US"/>
+          </a:p>
+        </p:txBody>
+      </p:sp>
+    </p:spTree>
+    <p:extLst>
+      <p:ext uri="{BB962C8B-B14F-4D97-AF65-F5344CB8AC3E}">
+        <p14:creationId xmlns:p14="http://schemas.microsoft.com/office/powerpoint/2010/main" val="3957925761"/>
+      </p:ext>
+    </p:extLst>
+  </p:cSld>
+  <p:clrMapOvr>
+    <a:masterClrMapping/>
+  </p:clrMapOvr>
+</p:notes>
+</file>
+
+<file path=ppt/notesSlides/notesSlide4.xml><?xml version="1.0" encoding="utf-8"?>
+<p:notes xmlns:a="http://schemas.openxmlformats.org/drawingml/2006/main" xmlns:r="http://schemas.openxmlformats.org/officeDocument/2006/relationships" xmlns:p="http://schemas.openxmlformats.org/presentationml/2006/main">
+  <p:cSld>
+    <p:spTree>
+      <p:nvGrpSpPr>
+        <p:cNvPr id="1" name=""/>
+        <p:cNvGrpSpPr/>
+        <p:nvPr/>
+      </p:nvGrpSpPr>
+      <p:grpSpPr>
+        <a:xfrm>
+          <a:off x="0" y="0"/>
+          <a:ext cx="0" cy="0"/>
+          <a:chOff x="0" y="0"/>
+          <a:chExt cx="0" cy="0"/>
+        </a:xfrm>
+      </p:grpSpPr>
+      <p:sp>
+        <p:nvSpPr>
+          <p:cNvPr id="2" name="슬라이드 이미지 개체 틀 1"/>
+          <p:cNvSpPr>
+            <a:spLocks noGrp="1" noRot="1" noChangeAspect="1"/>
+          </p:cNvSpPr>
+          <p:nvPr>
+            <p:ph type="sldImg"/>
+          </p:nvPr>
+        </p:nvSpPr>
+        <p:spPr/>
+      </p:sp>
+      <p:sp>
+        <p:nvSpPr>
+          <p:cNvPr id="3" name="슬라이드 노트 개체 틀 2"/>
+          <p:cNvSpPr>
+            <a:spLocks noGrp="1"/>
+          </p:cNvSpPr>
+          <p:nvPr>
+            <p:ph type="body" idx="1"/>
+          </p:nvPr>
+        </p:nvSpPr>
+        <p:spPr/>
+        <p:txBody>
+          <a:bodyPr/>
+          <a:lstStyle/>
+          <a:p>
+            <a:endParaRPr lang="ko-KR" altLang="en-US" dirty="0"/>
+          </a:p>
+        </p:txBody>
+      </p:sp>
+      <p:sp>
+        <p:nvSpPr>
+          <p:cNvPr id="4" name="슬라이드 번호 개체 틀 3"/>
+          <p:cNvSpPr>
+            <a:spLocks noGrp="1"/>
+          </p:cNvSpPr>
+          <p:nvPr>
+            <p:ph type="sldNum" sz="quarter" idx="5"/>
+          </p:nvPr>
+        </p:nvSpPr>
+        <p:spPr/>
+        <p:txBody>
+          <a:bodyPr/>
+          <a:lstStyle/>
+          <a:p>
+            <a:fld id="{598E0300-91F8-4E7B-8C6F-E8749E700335}" type="slidenum">
+              <a:rPr lang="ko-KR" altLang="en-US" smtClean="0"/>
+              <a:t>10</a:t>
+            </a:fld>
+            <a:endParaRPr lang="ko-KR" altLang="en-US"/>
+          </a:p>
+        </p:txBody>
+      </p:sp>
+    </p:spTree>
+    <p:extLst>
+      <p:ext uri="{BB962C8B-B14F-4D97-AF65-F5344CB8AC3E}">
+        <p14:creationId xmlns:p14="http://schemas.microsoft.com/office/powerpoint/2010/main" val="3019772327"/>
+      </p:ext>
+    </p:extLst>
+  </p:cSld>
+  <p:clrMapOvr>
+    <a:masterClrMapping/>
+  </p:clrMapOvr>
+</p:notes>
 </file>
 
 <file path=ppt/slideLayouts/slideLayout1.xml><?xml version="1.0" encoding="utf-8"?>
@@ -3332,6 +3799,176 @@
           <a:chExt cx="0" cy="0"/>
         </a:xfrm>
       </p:grpSpPr>
+      <p:sp>
+        <p:nvSpPr>
+          <p:cNvPr id="35" name="TextBox 5"/>
+          <p:cNvSpPr txBox="1"/>
+          <p:nvPr/>
+        </p:nvSpPr>
+        <p:spPr>
+          <a:xfrm>
+            <a:off x="4073056" y="2612017"/>
+            <a:ext cx="4045889" cy="461665"/>
+          </a:xfrm>
+          <a:prstGeom prst="rect">
+            <a:avLst/>
+          </a:prstGeom>
+          <a:noFill/>
+        </p:spPr>
+        <p:txBody>
+          <a:bodyPr wrap="square" rtlCol="0">
+            <a:spAutoFit/>
+          </a:bodyPr>
+          <a:lstStyle>
+            <a:defPPr>
+              <a:defRPr lang="ko-KR"/>
+            </a:defPPr>
+            <a:lvl1pPr marL="0" algn="l" defTabSz="914400" rtl="0" eaLnBrk="1" latinLnBrk="1" hangingPunct="1">
+              <a:defRPr sz="1800" kern="1200">
+                <a:solidFill>
+                  <a:schemeClr val="tx1"/>
+                </a:solidFill>
+                <a:latin typeface="+mn-lt"/>
+                <a:ea typeface="+mn-ea"/>
+                <a:cs typeface="+mn-cs"/>
+              </a:defRPr>
+            </a:lvl1pPr>
+            <a:lvl2pPr marL="457200" algn="l" defTabSz="914400" rtl="0" eaLnBrk="1" latinLnBrk="1" hangingPunct="1">
+              <a:defRPr sz="1800" kern="1200">
+                <a:solidFill>
+                  <a:schemeClr val="tx1"/>
+                </a:solidFill>
+                <a:latin typeface="+mn-lt"/>
+                <a:ea typeface="+mn-ea"/>
+                <a:cs typeface="+mn-cs"/>
+              </a:defRPr>
+            </a:lvl2pPr>
+            <a:lvl3pPr marL="914400" algn="l" defTabSz="914400" rtl="0" eaLnBrk="1" latinLnBrk="1" hangingPunct="1">
+              <a:defRPr sz="1800" kern="1200">
+                <a:solidFill>
+                  <a:schemeClr val="tx1"/>
+                </a:solidFill>
+                <a:latin typeface="+mn-lt"/>
+                <a:ea typeface="+mn-ea"/>
+                <a:cs typeface="+mn-cs"/>
+              </a:defRPr>
+            </a:lvl3pPr>
+            <a:lvl4pPr marL="1371600" algn="l" defTabSz="914400" rtl="0" eaLnBrk="1" latinLnBrk="1" hangingPunct="1">
+              <a:defRPr sz="1800" kern="1200">
+                <a:solidFill>
+                  <a:schemeClr val="tx1"/>
+                </a:solidFill>
+                <a:latin typeface="+mn-lt"/>
+                <a:ea typeface="+mn-ea"/>
+                <a:cs typeface="+mn-cs"/>
+              </a:defRPr>
+            </a:lvl4pPr>
+            <a:lvl5pPr marL="1828800" algn="l" defTabSz="914400" rtl="0" eaLnBrk="1" latinLnBrk="1" hangingPunct="1">
+              <a:defRPr sz="1800" kern="1200">
+                <a:solidFill>
+                  <a:schemeClr val="tx1"/>
+                </a:solidFill>
+                <a:latin typeface="+mn-lt"/>
+                <a:ea typeface="+mn-ea"/>
+                <a:cs typeface="+mn-cs"/>
+              </a:defRPr>
+            </a:lvl5pPr>
+            <a:lvl6pPr marL="2286000" algn="l" defTabSz="914400" rtl="0" eaLnBrk="1" latinLnBrk="1" hangingPunct="1">
+              <a:defRPr sz="1800" kern="1200">
+                <a:solidFill>
+                  <a:schemeClr val="tx1"/>
+                </a:solidFill>
+                <a:latin typeface="+mn-lt"/>
+                <a:ea typeface="+mn-ea"/>
+                <a:cs typeface="+mn-cs"/>
+              </a:defRPr>
+            </a:lvl6pPr>
+            <a:lvl7pPr marL="2743200" algn="l" defTabSz="914400" rtl="0" eaLnBrk="1" latinLnBrk="1" hangingPunct="1">
+              <a:defRPr sz="1800" kern="1200">
+                <a:solidFill>
+                  <a:schemeClr val="tx1"/>
+                </a:solidFill>
+                <a:latin typeface="+mn-lt"/>
+                <a:ea typeface="+mn-ea"/>
+                <a:cs typeface="+mn-cs"/>
+              </a:defRPr>
+            </a:lvl7pPr>
+            <a:lvl8pPr marL="3200400" algn="l" defTabSz="914400" rtl="0" eaLnBrk="1" latinLnBrk="1" hangingPunct="1">
+              <a:defRPr sz="1800" kern="1200">
+                <a:solidFill>
+                  <a:schemeClr val="tx1"/>
+                </a:solidFill>
+                <a:latin typeface="+mn-lt"/>
+                <a:ea typeface="+mn-ea"/>
+                <a:cs typeface="+mn-cs"/>
+              </a:defRPr>
+            </a:lvl8pPr>
+            <a:lvl9pPr marL="3657600" algn="l" defTabSz="914400" rtl="0" eaLnBrk="1" latinLnBrk="1" hangingPunct="1">
+              <a:defRPr sz="1800" kern="1200">
+                <a:solidFill>
+                  <a:schemeClr val="tx1"/>
+                </a:solidFill>
+                <a:latin typeface="+mn-lt"/>
+                <a:ea typeface="+mn-ea"/>
+                <a:cs typeface="+mn-cs"/>
+              </a:defRPr>
+            </a:lvl9pPr>
+          </a:lstStyle>
+          <a:p>
+            <a:r>
+              <a:rPr lang="en-US" altLang="ko-KR" sz="2400" dirty="0">
+                <a:solidFill>
+                  <a:srgbClr val="292B88"/>
+                </a:solidFill>
+                <a:effectLst>
+                  <a:outerShdw blurRad="50800" dist="38100" dir="18900000" algn="bl" rotWithShape="0">
+                    <a:prstClr val="black">
+                      <a:alpha val="35000"/>
+                    </a:prstClr>
+                  </a:outerShdw>
+                </a:effectLst>
+                <a:latin typeface="나눔스퀘어_ac Bold" panose="020B0600000101010101" pitchFamily="50" charset="-127"/>
+                <a:ea typeface="나눔스퀘어_ac Bold" panose="020B0600000101010101" pitchFamily="50" charset="-127"/>
+              </a:rPr>
+              <a:t>Vision</a:t>
+            </a:r>
+            <a:r>
+              <a:rPr lang="ko-KR" altLang="en-US" sz="2400" dirty="0">
+                <a:solidFill>
+                  <a:srgbClr val="292B88"/>
+                </a:solidFill>
+                <a:effectLst>
+                  <a:outerShdw blurRad="50800" dist="38100" dir="18900000" algn="bl" rotWithShape="0">
+                    <a:prstClr val="black">
+                      <a:alpha val="35000"/>
+                    </a:prstClr>
+                  </a:outerShdw>
+                </a:effectLst>
+                <a:latin typeface="나눔스퀘어_ac Bold" panose="020B0600000101010101" pitchFamily="50" charset="-127"/>
+                <a:ea typeface="나눔스퀘어_ac Bold" panose="020B0600000101010101" pitchFamily="50" charset="-127"/>
+              </a:rPr>
+              <a:t>을 이용한 </a:t>
+            </a:r>
+            <a:r>
+              <a:rPr lang="en-US" altLang="ko-KR" sz="2400" dirty="0">
+                <a:solidFill>
+                  <a:srgbClr val="292B88"/>
+                </a:solidFill>
+                <a:effectLst>
+                  <a:outerShdw blurRad="50800" dist="38100" dir="18900000" algn="bl" rotWithShape="0">
+                    <a:prstClr val="black">
+                      <a:alpha val="35000"/>
+                    </a:prstClr>
+                  </a:outerShdw>
+                </a:effectLst>
+                <a:latin typeface="나눔스퀘어_ac Bold" panose="020B0600000101010101" pitchFamily="50" charset="-127"/>
+                <a:ea typeface="나눔스퀘어_ac Bold" panose="020B0600000101010101" pitchFamily="50" charset="-127"/>
+              </a:rPr>
+              <a:t>MES System</a:t>
+            </a:r>
+          </a:p>
+        </p:txBody>
+      </p:sp>
       <p:pic>
         <p:nvPicPr>
           <p:cNvPr id="4" name="Picture 2" descr="C:\Users\Moon\Downloads\시그니쳐(좌우조합형)_1.jpg"/>
@@ -3544,176 +4181,6 @@
               <a:latin typeface="나눔스퀘어_ac ExtraBold" panose="020B0600000101010101" pitchFamily="50" charset="-127"/>
               <a:ea typeface="나눔스퀘어_ac ExtraBold" panose="020B0600000101010101" pitchFamily="50" charset="-127"/>
             </a:endParaRPr>
-          </a:p>
-        </p:txBody>
-      </p:sp>
-      <p:sp>
-        <p:nvSpPr>
-          <p:cNvPr id="35" name="TextBox 5"/>
-          <p:cNvSpPr txBox="1"/>
-          <p:nvPr/>
-        </p:nvSpPr>
-        <p:spPr>
-          <a:xfrm>
-            <a:off x="3943080" y="2612017"/>
-            <a:ext cx="4305840" cy="461665"/>
-          </a:xfrm>
-          <a:prstGeom prst="rect">
-            <a:avLst/>
-          </a:prstGeom>
-          <a:noFill/>
-        </p:spPr>
-        <p:txBody>
-          <a:bodyPr wrap="square" rtlCol="0">
-            <a:spAutoFit/>
-          </a:bodyPr>
-          <a:lstStyle>
-            <a:defPPr>
-              <a:defRPr lang="ko-KR"/>
-            </a:defPPr>
-            <a:lvl1pPr marL="0" algn="l" defTabSz="914400" rtl="0" eaLnBrk="1" latinLnBrk="1" hangingPunct="1">
-              <a:defRPr sz="1800" kern="1200">
-                <a:solidFill>
-                  <a:schemeClr val="tx1"/>
-                </a:solidFill>
-                <a:latin typeface="+mn-lt"/>
-                <a:ea typeface="+mn-ea"/>
-                <a:cs typeface="+mn-cs"/>
-              </a:defRPr>
-            </a:lvl1pPr>
-            <a:lvl2pPr marL="457200" algn="l" defTabSz="914400" rtl="0" eaLnBrk="1" latinLnBrk="1" hangingPunct="1">
-              <a:defRPr sz="1800" kern="1200">
-                <a:solidFill>
-                  <a:schemeClr val="tx1"/>
-                </a:solidFill>
-                <a:latin typeface="+mn-lt"/>
-                <a:ea typeface="+mn-ea"/>
-                <a:cs typeface="+mn-cs"/>
-              </a:defRPr>
-            </a:lvl2pPr>
-            <a:lvl3pPr marL="914400" algn="l" defTabSz="914400" rtl="0" eaLnBrk="1" latinLnBrk="1" hangingPunct="1">
-              <a:defRPr sz="1800" kern="1200">
-                <a:solidFill>
-                  <a:schemeClr val="tx1"/>
-                </a:solidFill>
-                <a:latin typeface="+mn-lt"/>
-                <a:ea typeface="+mn-ea"/>
-                <a:cs typeface="+mn-cs"/>
-              </a:defRPr>
-            </a:lvl3pPr>
-            <a:lvl4pPr marL="1371600" algn="l" defTabSz="914400" rtl="0" eaLnBrk="1" latinLnBrk="1" hangingPunct="1">
-              <a:defRPr sz="1800" kern="1200">
-                <a:solidFill>
-                  <a:schemeClr val="tx1"/>
-                </a:solidFill>
-                <a:latin typeface="+mn-lt"/>
-                <a:ea typeface="+mn-ea"/>
-                <a:cs typeface="+mn-cs"/>
-              </a:defRPr>
-            </a:lvl4pPr>
-            <a:lvl5pPr marL="1828800" algn="l" defTabSz="914400" rtl="0" eaLnBrk="1" latinLnBrk="1" hangingPunct="1">
-              <a:defRPr sz="1800" kern="1200">
-                <a:solidFill>
-                  <a:schemeClr val="tx1"/>
-                </a:solidFill>
-                <a:latin typeface="+mn-lt"/>
-                <a:ea typeface="+mn-ea"/>
-                <a:cs typeface="+mn-cs"/>
-              </a:defRPr>
-            </a:lvl5pPr>
-            <a:lvl6pPr marL="2286000" algn="l" defTabSz="914400" rtl="0" eaLnBrk="1" latinLnBrk="1" hangingPunct="1">
-              <a:defRPr sz="1800" kern="1200">
-                <a:solidFill>
-                  <a:schemeClr val="tx1"/>
-                </a:solidFill>
-                <a:latin typeface="+mn-lt"/>
-                <a:ea typeface="+mn-ea"/>
-                <a:cs typeface="+mn-cs"/>
-              </a:defRPr>
-            </a:lvl6pPr>
-            <a:lvl7pPr marL="2743200" algn="l" defTabSz="914400" rtl="0" eaLnBrk="1" latinLnBrk="1" hangingPunct="1">
-              <a:defRPr sz="1800" kern="1200">
-                <a:solidFill>
-                  <a:schemeClr val="tx1"/>
-                </a:solidFill>
-                <a:latin typeface="+mn-lt"/>
-                <a:ea typeface="+mn-ea"/>
-                <a:cs typeface="+mn-cs"/>
-              </a:defRPr>
-            </a:lvl7pPr>
-            <a:lvl8pPr marL="3200400" algn="l" defTabSz="914400" rtl="0" eaLnBrk="1" latinLnBrk="1" hangingPunct="1">
-              <a:defRPr sz="1800" kern="1200">
-                <a:solidFill>
-                  <a:schemeClr val="tx1"/>
-                </a:solidFill>
-                <a:latin typeface="+mn-lt"/>
-                <a:ea typeface="+mn-ea"/>
-                <a:cs typeface="+mn-cs"/>
-              </a:defRPr>
-            </a:lvl8pPr>
-            <a:lvl9pPr marL="3657600" algn="l" defTabSz="914400" rtl="0" eaLnBrk="1" latinLnBrk="1" hangingPunct="1">
-              <a:defRPr sz="1800" kern="1200">
-                <a:solidFill>
-                  <a:schemeClr val="tx1"/>
-                </a:solidFill>
-                <a:latin typeface="+mn-lt"/>
-                <a:ea typeface="+mn-ea"/>
-                <a:cs typeface="+mn-cs"/>
-              </a:defRPr>
-            </a:lvl9pPr>
-          </a:lstStyle>
-          <a:p>
-            <a:r>
-              <a:rPr lang="en-US" altLang="ko-KR" sz="2400" dirty="0">
-                <a:solidFill>
-                  <a:srgbClr val="292B88"/>
-                </a:solidFill>
-                <a:effectLst>
-                  <a:outerShdw blurRad="50800" dist="38100" dir="18900000" algn="bl" rotWithShape="0">
-                    <a:prstClr val="black">
-                      <a:alpha val="35000"/>
-                    </a:prstClr>
-                  </a:outerShdw>
-                </a:effectLst>
-                <a:latin typeface="나눔스퀘어_ac Bold" panose="020B0600000101010101" pitchFamily="50" charset="-127"/>
-                <a:ea typeface="나눔스퀘어_ac Bold" panose="020B0600000101010101" pitchFamily="50" charset="-127"/>
-              </a:rPr>
-              <a:t>OpenCV</a:t>
-            </a:r>
-            <a:r>
-              <a:rPr lang="ko-KR" altLang="en-US" sz="2400" dirty="0">
-                <a:solidFill>
-                  <a:srgbClr val="292B88"/>
-                </a:solidFill>
-                <a:effectLst>
-                  <a:outerShdw blurRad="50800" dist="38100" dir="18900000" algn="bl" rotWithShape="0">
-                    <a:prstClr val="black">
-                      <a:alpha val="35000"/>
-                    </a:prstClr>
-                  </a:outerShdw>
-                </a:effectLst>
-                <a:latin typeface="나눔스퀘어_ac Bold" panose="020B0600000101010101" pitchFamily="50" charset="-127"/>
-                <a:ea typeface="나눔스퀘어_ac Bold" panose="020B0600000101010101" pitchFamily="50" charset="-127"/>
-              </a:rPr>
-              <a:t>를 사용한 </a:t>
-            </a:r>
-            <a:r>
-              <a:rPr lang="en-US" altLang="ko-KR" sz="2400" dirty="0">
-                <a:solidFill>
-                  <a:srgbClr val="292B88"/>
-                </a:solidFill>
-                <a:effectLst>
-                  <a:outerShdw blurRad="50800" dist="38100" dir="18900000" algn="bl" rotWithShape="0">
-                    <a:prstClr val="black">
-                      <a:alpha val="35000"/>
-                    </a:prstClr>
-                  </a:outerShdw>
-                </a:effectLst>
-                <a:latin typeface="나눔스퀘어_ac Bold" panose="020B0600000101010101" pitchFamily="50" charset="-127"/>
-                <a:ea typeface="나눔스퀘어_ac Bold" panose="020B0600000101010101" pitchFamily="50" charset="-127"/>
-              </a:rPr>
-              <a:t>MES System</a:t>
-            </a:r>
           </a:p>
         </p:txBody>
       </p:sp>
@@ -3756,7 +4223,7 @@
           <p:nvPr/>
         </p:nvPicPr>
         <p:blipFill>
-          <a:blip r:embed="rId2" cstate="print">
+          <a:blip r:embed="rId3" cstate="print">
             <a:extLst>
               <a:ext uri="{28A0092B-C50C-407E-A947-70E740481C1C}">
                 <a14:useLocalDpi xmlns:a14="http://schemas.microsoft.com/office/drawing/2010/main" val="0"/>
@@ -3797,7 +4264,7 @@
           <p:nvPr/>
         </p:nvPicPr>
         <p:blipFill>
-          <a:blip r:embed="rId3">
+          <a:blip r:embed="rId4">
             <a:extLst>
               <a:ext uri="{28A0092B-C50C-407E-A947-70E740481C1C}">
                 <a14:useLocalDpi xmlns:a14="http://schemas.microsoft.com/office/drawing/2010/main" val="0"/>
@@ -4102,6 +4569,82 @@
               </a:rPr>
               <a:t>기획 목표</a:t>
             </a:r>
+          </a:p>
+        </p:txBody>
+      </p:sp>
+      <p:sp>
+        <p:nvSpPr>
+          <p:cNvPr id="2" name="TextBox 1">
+            <a:extLst>
+              <a:ext uri="{FF2B5EF4-FFF2-40B4-BE49-F238E27FC236}">
+                <a16:creationId xmlns:a16="http://schemas.microsoft.com/office/drawing/2014/main" id="{F504795E-CC6E-4DDB-8995-EF8F3F32852C}"/>
+              </a:ext>
+            </a:extLst>
+          </p:cNvPr>
+          <p:cNvSpPr txBox="1"/>
+          <p:nvPr/>
+        </p:nvSpPr>
+        <p:spPr>
+          <a:xfrm>
+            <a:off x="2042809" y="2023353"/>
+            <a:ext cx="8482880" cy="1477328"/>
+          </a:xfrm>
+          <a:prstGeom prst="rect">
+            <a:avLst/>
+          </a:prstGeom>
+          <a:noFill/>
+        </p:spPr>
+        <p:txBody>
+          <a:bodyPr wrap="square" rtlCol="0">
+            <a:spAutoFit/>
+          </a:bodyPr>
+          <a:lstStyle/>
+          <a:p>
+            <a:r>
+              <a:rPr lang="ko-KR" altLang="en-US" dirty="0"/>
+              <a:t>편의점 가서 캔 음료 </a:t>
+            </a:r>
+            <a:r>
+              <a:rPr lang="ko-KR" altLang="en-US" dirty="0" err="1"/>
+              <a:t>사먹는데</a:t>
+            </a:r>
+            <a:r>
+              <a:rPr lang="ko-KR" altLang="en-US" dirty="0"/>
+              <a:t> </a:t>
+            </a:r>
+            <a:r>
+              <a:rPr lang="ko-KR" altLang="en-US" dirty="0" err="1"/>
+              <a:t>찌그러져있어서</a:t>
+            </a:r>
+            <a:r>
+              <a:rPr lang="ko-KR" altLang="en-US" dirty="0"/>
+              <a:t> 입맛이 뚝 떨어짐 </a:t>
+            </a:r>
+            <a:endParaRPr lang="en-US" altLang="ko-KR" dirty="0"/>
+          </a:p>
+          <a:p>
+            <a:endParaRPr lang="en-US" altLang="ko-KR" dirty="0"/>
+          </a:p>
+          <a:p>
+            <a:r>
+              <a:rPr lang="ko-KR" altLang="en-US" dirty="0"/>
+              <a:t>세상을 바꾸고자 </a:t>
+            </a:r>
+            <a:endParaRPr lang="en-US" altLang="ko-KR" dirty="0"/>
+          </a:p>
+          <a:p>
+            <a:endParaRPr lang="en-US" altLang="ko-KR" dirty="0"/>
+          </a:p>
+          <a:p>
+            <a:r>
+              <a:rPr lang="ko-KR" altLang="en-US" dirty="0"/>
+              <a:t>이 시스템을 개발하였다</a:t>
+            </a:r>
+            <a:r>
+              <a:rPr lang="en-US" altLang="ko-KR" dirty="0"/>
+              <a:t>. </a:t>
+            </a:r>
+            <a:endParaRPr lang="ko-KR" altLang="en-US" dirty="0"/>
           </a:p>
         </p:txBody>
       </p:sp>
@@ -9098,7 +9641,7 @@
         </p:blipFill>
         <p:spPr>
           <a:xfrm>
-            <a:off x="7211782" y="1547797"/>
+            <a:off x="7306105" y="2025570"/>
             <a:ext cx="958333" cy="958333"/>
           </a:xfrm>
           <a:prstGeom prst="rect">
@@ -9134,7 +9677,7 @@
         </p:blipFill>
         <p:spPr>
           <a:xfrm>
-            <a:off x="7456054" y="3697065"/>
+            <a:off x="7315480" y="4741313"/>
             <a:ext cx="469791" cy="469791"/>
           </a:xfrm>
           <a:prstGeom prst="rect">
@@ -9170,7 +9713,7 @@
         </p:blipFill>
         <p:spPr>
           <a:xfrm>
-            <a:off x="5358056" y="2340759"/>
+            <a:off x="5292626" y="2698998"/>
             <a:ext cx="1094385" cy="1094385"/>
           </a:xfrm>
           <a:prstGeom prst="rect">
@@ -9206,7 +9749,7 @@
         </p:blipFill>
         <p:spPr>
           <a:xfrm>
-            <a:off x="4430738" y="4976209"/>
+            <a:off x="3622676" y="5125621"/>
             <a:ext cx="846496" cy="896085"/>
           </a:xfrm>
           <a:prstGeom prst="rect">
@@ -9242,7 +9785,7 @@
         </p:blipFill>
         <p:spPr>
           <a:xfrm>
-            <a:off x="9199025" y="2590926"/>
+            <a:off x="9347754" y="3246190"/>
             <a:ext cx="1135913" cy="1202457"/>
           </a:xfrm>
           <a:prstGeom prst="rect">
@@ -9278,7 +9821,7 @@
         </p:blipFill>
         <p:spPr>
           <a:xfrm>
-            <a:off x="5839819" y="4589347"/>
+            <a:off x="5829915" y="4976208"/>
             <a:ext cx="512362" cy="542377"/>
           </a:xfrm>
           <a:prstGeom prst="rect">
@@ -9314,8 +9857,8 @@
         </p:blipFill>
         <p:spPr>
           <a:xfrm>
-            <a:off x="2886713" y="4686608"/>
-            <a:ext cx="469078" cy="469078"/>
+            <a:off x="2649473" y="4741313"/>
+            <a:ext cx="579293" cy="579293"/>
           </a:xfrm>
           <a:prstGeom prst="rect">
             <a:avLst/>
@@ -9350,7 +9893,7 @@
         </p:blipFill>
         <p:spPr>
           <a:xfrm>
-            <a:off x="2235114" y="2340759"/>
+            <a:off x="1708333" y="2025570"/>
             <a:ext cx="603515" cy="758233"/>
           </a:xfrm>
           <a:prstGeom prst="rect">
@@ -9386,7 +9929,7 @@
         </p:blipFill>
         <p:spPr>
           <a:xfrm>
-            <a:off x="3359757" y="3192155"/>
+            <a:off x="3500357" y="2590926"/>
             <a:ext cx="968815" cy="658794"/>
           </a:xfrm>
           <a:prstGeom prst="rect">
@@ -13007,7 +13550,7 @@
         <p:spPr>
           <a:xfrm>
             <a:off x="553998" y="532942"/>
-            <a:ext cx="2022148" cy="553998"/>
+            <a:ext cx="2253370" cy="553998"/>
           </a:xfrm>
           <a:prstGeom prst="rect">
             <a:avLst/>
@@ -13115,7 +13658,7 @@
           </a:lstStyle>
           <a:p>
             <a:r>
-              <a:rPr lang="ko-KR" altLang="en-US" sz="3000">
+              <a:rPr lang="ko-KR" altLang="en-US" sz="3000" dirty="0">
                 <a:effectLst>
                   <a:outerShdw blurRad="38100" dist="38100" dir="2700000" algn="tl">
                     <a:srgbClr val="000000">
@@ -15473,6 +16016,398 @@
           </a:p>
         </p:txBody>
       </p:sp>
+      <p:sp>
+        <p:nvSpPr>
+          <p:cNvPr id="8" name="직사각형 7">
+            <a:extLst>
+              <a:ext uri="{FF2B5EF4-FFF2-40B4-BE49-F238E27FC236}">
+                <a16:creationId xmlns:a16="http://schemas.microsoft.com/office/drawing/2014/main" id="{585D8A7E-DA83-4C7B-BE6D-D77E0B75B289}"/>
+              </a:ext>
+            </a:extLst>
+          </p:cNvPr>
+          <p:cNvSpPr/>
+          <p:nvPr/>
+        </p:nvSpPr>
+        <p:spPr>
+          <a:xfrm>
+            <a:off x="744279" y="2015674"/>
+            <a:ext cx="4970721" cy="3533478"/>
+          </a:xfrm>
+          <a:prstGeom prst="rect">
+            <a:avLst/>
+          </a:prstGeom>
+          <a:solidFill>
+            <a:schemeClr val="bg1">
+              <a:lumMod val="95000"/>
+            </a:schemeClr>
+          </a:solidFill>
+          <a:ln>
+            <a:noFill/>
+          </a:ln>
+        </p:spPr>
+        <p:style>
+          <a:lnRef idx="2">
+            <a:schemeClr val="accent1">
+              <a:shade val="50000"/>
+            </a:schemeClr>
+          </a:lnRef>
+          <a:fillRef idx="1">
+            <a:schemeClr val="accent1"/>
+          </a:fillRef>
+          <a:effectRef idx="0">
+            <a:schemeClr val="accent1"/>
+          </a:effectRef>
+          <a:fontRef idx="minor">
+            <a:schemeClr val="lt1"/>
+          </a:fontRef>
+        </p:style>
+        <p:txBody>
+          <a:bodyPr rtlCol="0" anchor="ctr"/>
+          <a:lstStyle/>
+          <a:p>
+            <a:pPr marL="360000" indent="-360000">
+              <a:lnSpc>
+                <a:spcPct val="200000"/>
+              </a:lnSpc>
+              <a:buFont typeface="Wingdings" panose="05000000000000000000" pitchFamily="2" charset="2"/>
+              <a:buChar char="l"/>
+            </a:pPr>
+            <a:r>
+              <a:rPr lang="ko-KR" altLang="en-US" sz="2400" dirty="0" err="1">
+                <a:solidFill>
+                  <a:schemeClr val="tx1"/>
+                </a:solidFill>
+                <a:latin typeface="KoPub돋움체 Bold" panose="00000800000000000000" pitchFamily="2" charset="-127"/>
+                <a:ea typeface="KoPub돋움체 Bold" panose="00000800000000000000" pitchFamily="2" charset="-127"/>
+              </a:rPr>
+              <a:t>가나다라바사</a:t>
+            </a:r>
+            <a:r>
+              <a:rPr lang="ko-KR" altLang="en-US" sz="2400" dirty="0">
+                <a:solidFill>
+                  <a:schemeClr val="tx1"/>
+                </a:solidFill>
+                <a:latin typeface="KoPub돋움체 Bold" panose="00000800000000000000" pitchFamily="2" charset="-127"/>
+                <a:ea typeface="KoPub돋움체 Bold" panose="00000800000000000000" pitchFamily="2" charset="-127"/>
+              </a:rPr>
+              <a:t> </a:t>
+            </a:r>
+            <a:endParaRPr lang="en-US" altLang="ko-KR" sz="2400" dirty="0">
+              <a:solidFill>
+                <a:schemeClr val="tx1"/>
+              </a:solidFill>
+              <a:latin typeface="KoPub돋움체 Bold" panose="00000800000000000000" pitchFamily="2" charset="-127"/>
+              <a:ea typeface="KoPub돋움체 Bold" panose="00000800000000000000" pitchFamily="2" charset="-127"/>
+            </a:endParaRPr>
+          </a:p>
+          <a:p>
+            <a:pPr marL="360000" indent="-360000">
+              <a:lnSpc>
+                <a:spcPct val="200000"/>
+              </a:lnSpc>
+              <a:buFont typeface="Wingdings" panose="05000000000000000000" pitchFamily="2" charset="2"/>
+              <a:buChar char="l"/>
+            </a:pPr>
+            <a:r>
+              <a:rPr lang="ko-KR" altLang="en-US" sz="2400" dirty="0">
+                <a:solidFill>
+                  <a:schemeClr val="tx1"/>
+                </a:solidFill>
+                <a:latin typeface="KoPub돋움체 Bold" panose="00000800000000000000" pitchFamily="2" charset="-127"/>
+                <a:ea typeface="KoPub돋움체 Bold" panose="00000800000000000000" pitchFamily="2" charset="-127"/>
+              </a:rPr>
+              <a:t>구체화 작업</a:t>
+            </a:r>
+            <a:endParaRPr lang="en-US" altLang="ko-KR" sz="2400" dirty="0">
+              <a:solidFill>
+                <a:schemeClr val="tx1"/>
+              </a:solidFill>
+              <a:latin typeface="KoPub돋움체 Bold" panose="00000800000000000000" pitchFamily="2" charset="-127"/>
+              <a:ea typeface="KoPub돋움체 Bold" panose="00000800000000000000" pitchFamily="2" charset="-127"/>
+            </a:endParaRPr>
+          </a:p>
+        </p:txBody>
+      </p:sp>
+      <p:sp>
+        <p:nvSpPr>
+          <p:cNvPr id="9" name="직사각형 8">
+            <a:extLst>
+              <a:ext uri="{FF2B5EF4-FFF2-40B4-BE49-F238E27FC236}">
+                <a16:creationId xmlns:a16="http://schemas.microsoft.com/office/drawing/2014/main" id="{14EE0EEA-6B38-4EC9-B721-B4EECD31B989}"/>
+              </a:ext>
+            </a:extLst>
+          </p:cNvPr>
+          <p:cNvSpPr/>
+          <p:nvPr/>
+        </p:nvSpPr>
+        <p:spPr>
+          <a:xfrm>
+            <a:off x="1099100" y="1518274"/>
+            <a:ext cx="4227811" cy="666155"/>
+          </a:xfrm>
+          <a:prstGeom prst="rect">
+            <a:avLst/>
+          </a:prstGeom>
+          <a:solidFill>
+            <a:schemeClr val="tx1">
+              <a:lumMod val="65000"/>
+              <a:lumOff val="35000"/>
+            </a:schemeClr>
+          </a:solidFill>
+          <a:ln>
+            <a:noFill/>
+          </a:ln>
+        </p:spPr>
+        <p:style>
+          <a:lnRef idx="2">
+            <a:schemeClr val="accent1">
+              <a:shade val="50000"/>
+            </a:schemeClr>
+          </a:lnRef>
+          <a:fillRef idx="1">
+            <a:schemeClr val="accent1"/>
+          </a:fillRef>
+          <a:effectRef idx="0">
+            <a:schemeClr val="accent1"/>
+          </a:effectRef>
+          <a:fontRef idx="minor">
+            <a:schemeClr val="lt1"/>
+          </a:fontRef>
+        </p:style>
+        <p:txBody>
+          <a:bodyPr rtlCol="0" anchor="ctr"/>
+          <a:lstStyle/>
+          <a:p>
+            <a:pPr algn="ctr"/>
+            <a:r>
+              <a:rPr lang="ko-KR" altLang="en-US" sz="2000" dirty="0">
+                <a:latin typeface="KoPub돋움체 Light" panose="00000300000000000000" pitchFamily="2" charset="-127"/>
+                <a:ea typeface="KoPub돋움체 Light" panose="00000300000000000000" pitchFamily="2" charset="-127"/>
+              </a:rPr>
+              <a:t>에로 사항</a:t>
+            </a:r>
+          </a:p>
+        </p:txBody>
+      </p:sp>
+      <p:sp>
+        <p:nvSpPr>
+          <p:cNvPr id="10" name="직사각형 9">
+            <a:extLst>
+              <a:ext uri="{FF2B5EF4-FFF2-40B4-BE49-F238E27FC236}">
+                <a16:creationId xmlns:a16="http://schemas.microsoft.com/office/drawing/2014/main" id="{0A6D805C-CBC6-41FE-B46A-3FF3C238B518}"/>
+              </a:ext>
+            </a:extLst>
+          </p:cNvPr>
+          <p:cNvSpPr/>
+          <p:nvPr/>
+        </p:nvSpPr>
+        <p:spPr>
+          <a:xfrm>
+            <a:off x="6644639" y="2015674"/>
+            <a:ext cx="4970721" cy="3533478"/>
+          </a:xfrm>
+          <a:prstGeom prst="rect">
+            <a:avLst/>
+          </a:prstGeom>
+          <a:solidFill>
+            <a:schemeClr val="bg1">
+              <a:lumMod val="95000"/>
+            </a:schemeClr>
+          </a:solidFill>
+          <a:ln>
+            <a:noFill/>
+          </a:ln>
+        </p:spPr>
+        <p:style>
+          <a:lnRef idx="2">
+            <a:schemeClr val="accent1">
+              <a:shade val="50000"/>
+            </a:schemeClr>
+          </a:lnRef>
+          <a:fillRef idx="1">
+            <a:schemeClr val="accent1"/>
+          </a:fillRef>
+          <a:effectRef idx="0">
+            <a:schemeClr val="accent1"/>
+          </a:effectRef>
+          <a:fontRef idx="minor">
+            <a:schemeClr val="lt1"/>
+          </a:fontRef>
+        </p:style>
+        <p:txBody>
+          <a:bodyPr rtlCol="0" anchor="ctr"/>
+          <a:lstStyle/>
+          <a:p>
+            <a:pPr marL="360000" indent="-360000">
+              <a:lnSpc>
+                <a:spcPct val="200000"/>
+              </a:lnSpc>
+              <a:buFont typeface="Wingdings" panose="05000000000000000000" pitchFamily="2" charset="2"/>
+              <a:buChar char="l"/>
+            </a:pPr>
+            <a:r>
+              <a:rPr lang="en-US" altLang="ko-KR" sz="2400" dirty="0">
+                <a:solidFill>
+                  <a:schemeClr val="tx1"/>
+                </a:solidFill>
+                <a:latin typeface="KoPub돋움체 Bold" panose="00000800000000000000" pitchFamily="2" charset="-127"/>
+                <a:ea typeface="KoPub돋움체 Bold" panose="00000800000000000000" pitchFamily="2" charset="-127"/>
+              </a:rPr>
+              <a:t> </a:t>
+            </a:r>
+            <a:r>
+              <a:rPr lang="ko-KR" altLang="en-US" sz="2400" dirty="0" err="1">
+                <a:solidFill>
+                  <a:schemeClr val="tx1"/>
+                </a:solidFill>
+                <a:latin typeface="KoPub돋움체 Bold" panose="00000800000000000000" pitchFamily="2" charset="-127"/>
+                <a:ea typeface="KoPub돋움체 Bold" panose="00000800000000000000" pitchFamily="2" charset="-127"/>
+              </a:rPr>
+              <a:t>ㅁㄴㄴㅇㅁㄴㅇ</a:t>
+            </a:r>
+            <a:endParaRPr lang="en-US" altLang="ko-KR" sz="2400" dirty="0">
+              <a:solidFill>
+                <a:schemeClr val="tx1"/>
+              </a:solidFill>
+              <a:latin typeface="KoPub돋움체 Bold" panose="00000800000000000000" pitchFamily="2" charset="-127"/>
+              <a:ea typeface="KoPub돋움체 Bold" panose="00000800000000000000" pitchFamily="2" charset="-127"/>
+            </a:endParaRPr>
+          </a:p>
+          <a:p>
+            <a:pPr marL="360000" indent="-360000">
+              <a:lnSpc>
+                <a:spcPct val="200000"/>
+              </a:lnSpc>
+              <a:buFont typeface="Wingdings" panose="05000000000000000000" pitchFamily="2" charset="2"/>
+              <a:buChar char="l"/>
+            </a:pPr>
+            <a:r>
+              <a:rPr lang="ko-KR" altLang="en-US" sz="2400" dirty="0">
+                <a:solidFill>
+                  <a:srgbClr val="000000"/>
+                </a:solidFill>
+                <a:latin typeface="KoPub돋움체 Bold" panose="00000800000000000000" pitchFamily="2" charset="-127"/>
+                <a:ea typeface="KoPub돋움체 Bold" panose="00000800000000000000" pitchFamily="2" charset="-127"/>
+              </a:rPr>
+              <a:t>명사화</a:t>
+            </a:r>
+            <a:endParaRPr lang="en-US" altLang="ko-KR" sz="2400" dirty="0">
+              <a:solidFill>
+                <a:srgbClr val="000000"/>
+              </a:solidFill>
+              <a:latin typeface="KoPub돋움체 Bold" panose="00000800000000000000" pitchFamily="2" charset="-127"/>
+              <a:ea typeface="KoPub돋움체 Bold" panose="00000800000000000000" pitchFamily="2" charset="-127"/>
+            </a:endParaRPr>
+          </a:p>
+        </p:txBody>
+      </p:sp>
+      <p:sp>
+        <p:nvSpPr>
+          <p:cNvPr id="11" name="직사각형 10">
+            <a:extLst>
+              <a:ext uri="{FF2B5EF4-FFF2-40B4-BE49-F238E27FC236}">
+                <a16:creationId xmlns:a16="http://schemas.microsoft.com/office/drawing/2014/main" id="{BC32EA68-885D-40D1-BAE9-7843F5D3C6BE}"/>
+              </a:ext>
+            </a:extLst>
+          </p:cNvPr>
+          <p:cNvSpPr/>
+          <p:nvPr/>
+        </p:nvSpPr>
+        <p:spPr>
+          <a:xfrm>
+            <a:off x="6996222" y="1518273"/>
+            <a:ext cx="4125433" cy="666155"/>
+          </a:xfrm>
+          <a:prstGeom prst="rect">
+            <a:avLst/>
+          </a:prstGeom>
+          <a:solidFill>
+            <a:schemeClr val="tx1">
+              <a:lumMod val="65000"/>
+              <a:lumOff val="35000"/>
+            </a:schemeClr>
+          </a:solidFill>
+          <a:ln>
+            <a:noFill/>
+          </a:ln>
+        </p:spPr>
+        <p:style>
+          <a:lnRef idx="2">
+            <a:schemeClr val="accent1">
+              <a:shade val="50000"/>
+            </a:schemeClr>
+          </a:lnRef>
+          <a:fillRef idx="1">
+            <a:schemeClr val="accent1"/>
+          </a:fillRef>
+          <a:effectRef idx="0">
+            <a:schemeClr val="accent1"/>
+          </a:effectRef>
+          <a:fontRef idx="minor">
+            <a:schemeClr val="lt1"/>
+          </a:fontRef>
+        </p:style>
+        <p:txBody>
+          <a:bodyPr rtlCol="0" anchor="ctr"/>
+          <a:lstStyle/>
+          <a:p>
+            <a:pPr algn="ctr"/>
+            <a:r>
+              <a:rPr lang="ko-KR" altLang="en-US" sz="2000" dirty="0">
+                <a:latin typeface="KoPub돋움체 Light" panose="00000300000000000000" pitchFamily="2" charset="-127"/>
+                <a:ea typeface="KoPub돋움체 Light" panose="00000300000000000000" pitchFamily="2" charset="-127"/>
+              </a:rPr>
+              <a:t>개선 후</a:t>
+            </a:r>
+          </a:p>
+        </p:txBody>
+      </p:sp>
+      <p:cxnSp>
+        <p:nvCxnSpPr>
+          <p:cNvPr id="12" name="직선 화살표 연결선 11">
+            <a:extLst>
+              <a:ext uri="{FF2B5EF4-FFF2-40B4-BE49-F238E27FC236}">
+                <a16:creationId xmlns:a16="http://schemas.microsoft.com/office/drawing/2014/main" id="{C99BF629-F2B6-4E4A-A8F9-3BF136C9A485}"/>
+              </a:ext>
+            </a:extLst>
+          </p:cNvPr>
+          <p:cNvCxnSpPr>
+            <a:cxnSpLocks/>
+            <a:stCxn id="8" idx="3"/>
+            <a:endCxn id="10" idx="1"/>
+          </p:cNvCxnSpPr>
+          <p:nvPr/>
+        </p:nvCxnSpPr>
+        <p:spPr>
+          <a:xfrm>
+            <a:off x="5715000" y="3782413"/>
+            <a:ext cx="929639" cy="0"/>
+          </a:xfrm>
+          <a:prstGeom prst="straightConnector1">
+            <a:avLst/>
+          </a:prstGeom>
+          <a:ln w="57150">
+            <a:solidFill>
+              <a:schemeClr val="tx1"/>
+            </a:solidFill>
+            <a:tailEnd type="triangle"/>
+          </a:ln>
+        </p:spPr>
+        <p:style>
+          <a:lnRef idx="1">
+            <a:schemeClr val="accent1"/>
+          </a:lnRef>
+          <a:fillRef idx="0">
+            <a:schemeClr val="accent1"/>
+          </a:fillRef>
+          <a:effectRef idx="0">
+            <a:schemeClr val="accent1"/>
+          </a:effectRef>
+          <a:fontRef idx="minor">
+            <a:schemeClr val="tx1"/>
+          </a:fontRef>
+        </p:style>
+      </p:cxnSp>
     </p:spTree>
     <p:extLst>
       <p:ext uri="{BB962C8B-B14F-4D97-AF65-F5344CB8AC3E}">
@@ -15503,6 +16438,154 @@
           <a:chExt cx="0" cy="0"/>
         </a:xfrm>
       </p:grpSpPr>
+      <p:sp>
+        <p:nvSpPr>
+          <p:cNvPr id="8" name="직사각형 7">
+            <a:extLst>
+              <a:ext uri="{FF2B5EF4-FFF2-40B4-BE49-F238E27FC236}">
+                <a16:creationId xmlns:a16="http://schemas.microsoft.com/office/drawing/2014/main" id="{50F9B454-C94D-4517-BC1C-0BA0895868A1}"/>
+              </a:ext>
+            </a:extLst>
+          </p:cNvPr>
+          <p:cNvSpPr/>
+          <p:nvPr/>
+        </p:nvSpPr>
+        <p:spPr>
+          <a:xfrm>
+            <a:off x="-184826" y="2210750"/>
+            <a:ext cx="12519498" cy="2436501"/>
+          </a:xfrm>
+          <a:prstGeom prst="rect">
+            <a:avLst/>
+          </a:prstGeom>
+          <a:solidFill>
+            <a:srgbClr val="292B88">
+              <a:alpha val="38000"/>
+            </a:srgbClr>
+          </a:solidFill>
+          <a:ln>
+            <a:noFill/>
+          </a:ln>
+        </p:spPr>
+        <p:style>
+          <a:lnRef idx="2">
+            <a:schemeClr val="accent1">
+              <a:shade val="50000"/>
+            </a:schemeClr>
+          </a:lnRef>
+          <a:fillRef idx="1">
+            <a:schemeClr val="accent1"/>
+          </a:fillRef>
+          <a:effectRef idx="0">
+            <a:schemeClr val="accent1"/>
+          </a:effectRef>
+          <a:fontRef idx="minor">
+            <a:schemeClr val="lt1"/>
+          </a:fontRef>
+        </p:style>
+        <p:txBody>
+          <a:bodyPr rtlCol="0" anchor="ctr"/>
+          <a:lstStyle>
+            <a:defPPr>
+              <a:defRPr lang="ko-KR"/>
+            </a:defPPr>
+            <a:lvl1pPr marL="0" algn="l" defTabSz="914400" rtl="0" eaLnBrk="1" latinLnBrk="1" hangingPunct="1">
+              <a:defRPr sz="1800" kern="1200">
+                <a:solidFill>
+                  <a:schemeClr val="lt1"/>
+                </a:solidFill>
+                <a:latin typeface="+mn-lt"/>
+                <a:ea typeface="+mn-ea"/>
+                <a:cs typeface="+mn-cs"/>
+              </a:defRPr>
+            </a:lvl1pPr>
+            <a:lvl2pPr marL="457200" algn="l" defTabSz="914400" rtl="0" eaLnBrk="1" latinLnBrk="1" hangingPunct="1">
+              <a:defRPr sz="1800" kern="1200">
+                <a:solidFill>
+                  <a:schemeClr val="lt1"/>
+                </a:solidFill>
+                <a:latin typeface="+mn-lt"/>
+                <a:ea typeface="+mn-ea"/>
+                <a:cs typeface="+mn-cs"/>
+              </a:defRPr>
+            </a:lvl2pPr>
+            <a:lvl3pPr marL="914400" algn="l" defTabSz="914400" rtl="0" eaLnBrk="1" latinLnBrk="1" hangingPunct="1">
+              <a:defRPr sz="1800" kern="1200">
+                <a:solidFill>
+                  <a:schemeClr val="lt1"/>
+                </a:solidFill>
+                <a:latin typeface="+mn-lt"/>
+                <a:ea typeface="+mn-ea"/>
+                <a:cs typeface="+mn-cs"/>
+              </a:defRPr>
+            </a:lvl3pPr>
+            <a:lvl4pPr marL="1371600" algn="l" defTabSz="914400" rtl="0" eaLnBrk="1" latinLnBrk="1" hangingPunct="1">
+              <a:defRPr sz="1800" kern="1200">
+                <a:solidFill>
+                  <a:schemeClr val="lt1"/>
+                </a:solidFill>
+                <a:latin typeface="+mn-lt"/>
+                <a:ea typeface="+mn-ea"/>
+                <a:cs typeface="+mn-cs"/>
+              </a:defRPr>
+            </a:lvl4pPr>
+            <a:lvl5pPr marL="1828800" algn="l" defTabSz="914400" rtl="0" eaLnBrk="1" latinLnBrk="1" hangingPunct="1">
+              <a:defRPr sz="1800" kern="1200">
+                <a:solidFill>
+                  <a:schemeClr val="lt1"/>
+                </a:solidFill>
+                <a:latin typeface="+mn-lt"/>
+                <a:ea typeface="+mn-ea"/>
+                <a:cs typeface="+mn-cs"/>
+              </a:defRPr>
+            </a:lvl5pPr>
+            <a:lvl6pPr marL="2286000" algn="l" defTabSz="914400" rtl="0" eaLnBrk="1" latinLnBrk="1" hangingPunct="1">
+              <a:defRPr sz="1800" kern="1200">
+                <a:solidFill>
+                  <a:schemeClr val="lt1"/>
+                </a:solidFill>
+                <a:latin typeface="+mn-lt"/>
+                <a:ea typeface="+mn-ea"/>
+                <a:cs typeface="+mn-cs"/>
+              </a:defRPr>
+            </a:lvl6pPr>
+            <a:lvl7pPr marL="2743200" algn="l" defTabSz="914400" rtl="0" eaLnBrk="1" latinLnBrk="1" hangingPunct="1">
+              <a:defRPr sz="1800" kern="1200">
+                <a:solidFill>
+                  <a:schemeClr val="lt1"/>
+                </a:solidFill>
+                <a:latin typeface="+mn-lt"/>
+                <a:ea typeface="+mn-ea"/>
+                <a:cs typeface="+mn-cs"/>
+              </a:defRPr>
+            </a:lvl7pPr>
+            <a:lvl8pPr marL="3200400" algn="l" defTabSz="914400" rtl="0" eaLnBrk="1" latinLnBrk="1" hangingPunct="1">
+              <a:defRPr sz="1800" kern="1200">
+                <a:solidFill>
+                  <a:schemeClr val="lt1"/>
+                </a:solidFill>
+                <a:latin typeface="+mn-lt"/>
+                <a:ea typeface="+mn-ea"/>
+                <a:cs typeface="+mn-cs"/>
+              </a:defRPr>
+            </a:lvl8pPr>
+            <a:lvl9pPr marL="3657600" algn="l" defTabSz="914400" rtl="0" eaLnBrk="1" latinLnBrk="1" hangingPunct="1">
+              <a:defRPr sz="1800" kern="1200">
+                <a:solidFill>
+                  <a:schemeClr val="lt1"/>
+                </a:solidFill>
+                <a:latin typeface="+mn-lt"/>
+                <a:ea typeface="+mn-ea"/>
+                <a:cs typeface="+mn-cs"/>
+              </a:defRPr>
+            </a:lvl9pPr>
+          </a:lstStyle>
+          <a:p>
+            <a:pPr algn="ctr"/>
+            <a:endParaRPr lang="ko-KR" altLang="en-US"/>
+          </a:p>
+        </p:txBody>
+      </p:sp>
       <p:pic>
         <p:nvPicPr>
           <p:cNvPr id="4" name="Picture 2" descr="C:\Users\Moon\Downloads\시그니쳐(좌우조합형)_1.jpg"/>
@@ -15727,7 +16810,7 @@
         </p:nvSpPr>
         <p:spPr>
           <a:xfrm>
-            <a:off x="8274867" y="949104"/>
+            <a:off x="9566021" y="819778"/>
             <a:ext cx="1919335" cy="646331"/>
           </a:xfrm>
           <a:prstGeom prst="rect">
@@ -15782,7 +16865,7 @@
         </p:nvSpPr>
         <p:spPr>
           <a:xfrm>
-            <a:off x="1084907" y="949105"/>
+            <a:off x="748665" y="721468"/>
             <a:ext cx="1919335" cy="646331"/>
           </a:xfrm>
           <a:prstGeom prst="rect">
@@ -16872,7 +17955,7 @@
         <p:spPr>
           <a:xfrm>
             <a:off x="688048" y="4561686"/>
-            <a:ext cx="2355273" cy="646331"/>
+            <a:ext cx="2355273" cy="369332"/>
           </a:xfrm>
           <a:prstGeom prst="rect">
             <a:avLst/>
@@ -16886,10 +17969,12 @@
           <a:lstStyle/>
           <a:p>
             <a:r>
-              <a:rPr lang="ko-KR" altLang="en-US"/>
-              <a:t>기기기기기기기기기기기기기기기기기니</a:t>
-            </a:r>
-            <a:endParaRPr lang="ko-KR" altLang="en-US" dirty="0"/>
+              <a:rPr lang="ko-KR" altLang="en-US" dirty="0">
+                <a:latin typeface="나눔스퀘어라운드 Regular" panose="020B0600000101010101" charset="-127"/>
+                <a:ea typeface="나눔스퀘어라운드 Regular" panose="020B0600000101010101" charset="-127"/>
+              </a:rPr>
+              <a:t>비전처리 구현 </a:t>
+            </a:r>
           </a:p>
         </p:txBody>
       </p:sp>
@@ -16994,10 +18079,16 @@
           <a:lstStyle/>
           <a:p>
             <a:r>
-              <a:rPr lang="ko-KR" altLang="en-US" dirty="0" err="1"/>
-              <a:t>기기기기기기기기기기기기기기기기기기</a:t>
-            </a:r>
-            <a:endParaRPr lang="ko-KR" altLang="en-US" dirty="0"/>
+              <a:rPr lang="ko-KR" altLang="en-US" dirty="0"/>
+              <a:t>통신 프로토콜 설계</a:t>
+            </a:r>
+            <a:endParaRPr lang="en-US" altLang="ko-KR" dirty="0"/>
+          </a:p>
+          <a:p>
+            <a:r>
+              <a:rPr lang="ko-KR" altLang="en-US" dirty="0"/>
+              <a:t>서버 개발</a:t>
+            </a:r>
           </a:p>
         </p:txBody>
       </p:sp>
@@ -17291,7 +18382,7 @@
           <p:nvPr/>
         </p:nvPicPr>
         <p:blipFill>
-          <a:blip r:embed="rId2" cstate="print">
+          <a:blip r:embed="rId3" cstate="print">
             <a:extLst>
               <a:ext uri="{28A0092B-C50C-407E-A947-70E740481C1C}">
                 <a14:useLocalDpi xmlns:a14="http://schemas.microsoft.com/office/drawing/2010/main" val="0"/>
@@ -17332,7 +18423,7 @@
           <p:nvPr/>
         </p:nvPicPr>
         <p:blipFill>
-          <a:blip r:embed="rId3">
+          <a:blip r:embed="rId4">
             <a:extLst>
               <a:ext uri="{28A0092B-C50C-407E-A947-70E740481C1C}">
                 <a14:useLocalDpi xmlns:a14="http://schemas.microsoft.com/office/drawing/2010/main" val="0"/>
@@ -17655,7 +18746,7 @@
           <p:nvPr/>
         </p:nvPicPr>
         <p:blipFill>
-          <a:blip r:embed="rId4">
+          <a:blip r:embed="rId5">
             <a:extLst>
               <a:ext uri="{28A0092B-C50C-407E-A947-70E740481C1C}">
                 <a14:useLocalDpi xmlns:a14="http://schemas.microsoft.com/office/drawing/2010/main" val="0"/>
@@ -17668,7 +18759,7 @@
         </p:blipFill>
         <p:spPr>
           <a:xfrm>
-            <a:off x="2425865" y="2037030"/>
+            <a:off x="2367497" y="2037030"/>
             <a:ext cx="2996608" cy="3009146"/>
           </a:xfrm>
           <a:prstGeom prst="rect">
@@ -17678,10 +18769,10 @@
       </p:pic>
       <p:sp>
         <p:nvSpPr>
-          <p:cNvPr id="7" name="TextBox 6">
+          <p:cNvPr id="2" name="TextBox 1">
             <a:extLst>
               <a:ext uri="{FF2B5EF4-FFF2-40B4-BE49-F238E27FC236}">
-                <a16:creationId xmlns:a16="http://schemas.microsoft.com/office/drawing/2014/main" id="{BCEF3959-0803-4E77-9012-BD9F82CB21D5}"/>
+                <a16:creationId xmlns:a16="http://schemas.microsoft.com/office/drawing/2014/main" id="{A820548D-D7C8-4695-B6D4-C60883188777}"/>
               </a:ext>
             </a:extLst>
           </p:cNvPr>
@@ -17690,8 +18781,8 @@
         </p:nvSpPr>
         <p:spPr>
           <a:xfrm>
-            <a:off x="6817259" y="2362954"/>
-            <a:ext cx="3087232" cy="1754326"/>
+            <a:off x="6096000" y="2277150"/>
+            <a:ext cx="5214948" cy="2031325"/>
           </a:xfrm>
           <a:prstGeom prst="rect">
             <a:avLst/>
@@ -17705,56 +18796,272 @@
           <a:lstStyle/>
           <a:p>
             <a:r>
+              <a:rPr lang="ko-KR" altLang="en-US" b="0" i="0" dirty="0">
+                <a:solidFill>
+                  <a:srgbClr val="FF0000"/>
+                </a:solidFill>
+                <a:effectLst/>
+                <a:latin typeface="Apple SD Gothic Neo"/>
+              </a:rPr>
+              <a:t>코로나바이러스</a:t>
+            </a:r>
+            <a:r>
+              <a:rPr lang="ko-KR" altLang="en-US" b="0" i="0" dirty="0">
+                <a:solidFill>
+                  <a:srgbClr val="1E1E1E"/>
+                </a:solidFill>
+                <a:effectLst/>
+                <a:latin typeface="Apple SD Gothic Neo"/>
+              </a:rPr>
+              <a:t> </a:t>
+            </a:r>
+            <a:r>
+              <a:rPr lang="ko-KR" altLang="en-US" b="0" i="0" dirty="0" err="1">
+                <a:solidFill>
+                  <a:srgbClr val="1E1E1E"/>
+                </a:solidFill>
+                <a:effectLst/>
+                <a:latin typeface="Apple SD Gothic Neo"/>
+              </a:rPr>
+              <a:t>감염증</a:t>
+            </a:r>
+            <a:r>
+              <a:rPr lang="en-US" altLang="ko-KR" b="0" i="0" dirty="0">
+                <a:solidFill>
+                  <a:srgbClr val="1E1E1E"/>
+                </a:solidFill>
+                <a:effectLst/>
+                <a:latin typeface="Apple SD Gothic Neo"/>
+              </a:rPr>
+              <a:t>(</a:t>
+            </a:r>
+            <a:r>
+              <a:rPr lang="ko-KR" altLang="en-US" b="0" i="0" dirty="0">
+                <a:solidFill>
+                  <a:srgbClr val="1E1E1E"/>
+                </a:solidFill>
+                <a:effectLst/>
+                <a:latin typeface="Apple SD Gothic Neo"/>
+              </a:rPr>
+              <a:t>코로나</a:t>
+            </a:r>
+            <a:r>
+              <a:rPr lang="en-US" altLang="ko-KR" b="0" i="0" dirty="0">
+                <a:solidFill>
+                  <a:srgbClr val="1E1E1E"/>
+                </a:solidFill>
+                <a:effectLst/>
+                <a:latin typeface="Apple SD Gothic Neo"/>
+              </a:rPr>
+              <a:t>19) </a:t>
+            </a:r>
+            <a:r>
+              <a:rPr lang="ko-KR" altLang="en-US" b="0" i="0" dirty="0">
+                <a:solidFill>
+                  <a:srgbClr val="1E1E1E"/>
+                </a:solidFill>
+                <a:effectLst/>
+                <a:latin typeface="Apple SD Gothic Neo"/>
+              </a:rPr>
+              <a:t>여파로 인한 </a:t>
+            </a:r>
+            <a:r>
+              <a:rPr lang="en-US" altLang="ko-KR" b="0" i="0" dirty="0">
+                <a:solidFill>
+                  <a:srgbClr val="FF0000"/>
+                </a:solidFill>
+                <a:effectLst/>
+                <a:latin typeface="Apple SD Gothic Neo"/>
+              </a:rPr>
+              <a:t>IT </a:t>
+            </a:r>
+            <a:r>
+              <a:rPr lang="ko-KR" altLang="en-US" b="0" i="0" dirty="0">
+                <a:solidFill>
+                  <a:srgbClr val="FF0000"/>
+                </a:solidFill>
+                <a:effectLst/>
+                <a:latin typeface="Apple SD Gothic Neo"/>
+              </a:rPr>
+              <a:t>제품 수요의 꾸준한 증가</a:t>
+            </a:r>
+            <a:r>
+              <a:rPr lang="ko-KR" altLang="en-US" b="0" i="0" dirty="0">
+                <a:solidFill>
+                  <a:srgbClr val="1E1E1E"/>
+                </a:solidFill>
+                <a:effectLst/>
+                <a:latin typeface="Apple SD Gothic Neo"/>
+              </a:rPr>
+              <a:t>로 </a:t>
+            </a:r>
+            <a:r>
+              <a:rPr lang="en-US" altLang="ko-KR" b="0" i="0" dirty="0">
+                <a:solidFill>
+                  <a:srgbClr val="1E1E1E"/>
+                </a:solidFill>
+                <a:effectLst/>
+                <a:latin typeface="Apple SD Gothic Neo"/>
+              </a:rPr>
+              <a:t>MLCC(</a:t>
+            </a:r>
+            <a:r>
+              <a:rPr lang="ko-KR" altLang="en-US" b="0" i="0" dirty="0" err="1">
+                <a:solidFill>
+                  <a:srgbClr val="1E1E1E"/>
+                </a:solidFill>
+                <a:effectLst/>
+                <a:latin typeface="Apple SD Gothic Neo"/>
+              </a:rPr>
+              <a:t>적층세라믹콘덴서</a:t>
+            </a:r>
+            <a:r>
+              <a:rPr lang="en-US" altLang="ko-KR" b="0" i="0" dirty="0">
+                <a:solidFill>
+                  <a:srgbClr val="1E1E1E"/>
+                </a:solidFill>
+                <a:effectLst/>
+                <a:latin typeface="Apple SD Gothic Neo"/>
+              </a:rPr>
+              <a:t>)</a:t>
+            </a:r>
+            <a:r>
+              <a:rPr lang="ko-KR" altLang="en-US" b="0" i="0" dirty="0">
+                <a:solidFill>
+                  <a:srgbClr val="1E1E1E"/>
+                </a:solidFill>
+                <a:effectLst/>
+                <a:latin typeface="Apple SD Gothic Neo"/>
+              </a:rPr>
+              <a:t>의 호황이 이어지는 가운데</a:t>
+            </a:r>
+            <a:r>
+              <a:rPr lang="en-US" altLang="ko-KR" b="0" i="0" dirty="0">
+                <a:solidFill>
+                  <a:srgbClr val="1E1E1E"/>
+                </a:solidFill>
+                <a:effectLst/>
+                <a:latin typeface="Apple SD Gothic Neo"/>
+              </a:rPr>
+              <a:t>, </a:t>
+            </a:r>
+            <a:r>
+              <a:rPr lang="ko-KR" altLang="en-US" b="0" i="0" dirty="0">
+                <a:solidFill>
+                  <a:srgbClr val="1E1E1E"/>
+                </a:solidFill>
+                <a:effectLst/>
+                <a:latin typeface="Apple SD Gothic Neo"/>
+              </a:rPr>
+              <a:t>삼성전기의 </a:t>
+            </a:r>
+            <a:r>
+              <a:rPr lang="en-US" altLang="ko-KR" b="0" i="0" dirty="0">
+                <a:solidFill>
+                  <a:srgbClr val="1E1E1E"/>
+                </a:solidFill>
+                <a:effectLst/>
+                <a:latin typeface="Apple SD Gothic Neo"/>
+              </a:rPr>
+              <a:t>3</a:t>
+            </a:r>
+            <a:r>
+              <a:rPr lang="ko-KR" altLang="en-US" b="0" i="0" dirty="0">
+                <a:solidFill>
+                  <a:srgbClr val="1E1E1E"/>
+                </a:solidFill>
+                <a:effectLst/>
+                <a:latin typeface="Apple SD Gothic Neo"/>
+              </a:rPr>
+              <a:t>분기 실적은 컴포넌트 사업 부문을 필두로 모듈과 기판 등 전 사업부의 고른 </a:t>
+            </a:r>
+            <a:r>
+              <a:rPr lang="ko-KR" altLang="en-US" b="0" i="0" dirty="0">
+                <a:solidFill>
+                  <a:srgbClr val="FF0000"/>
+                </a:solidFill>
+                <a:effectLst/>
+                <a:latin typeface="Apple SD Gothic Neo"/>
+              </a:rPr>
+              <a:t>실적 성장이 전망</a:t>
+            </a:r>
+            <a:r>
+              <a:rPr lang="ko-KR" altLang="en-US" b="0" i="0" dirty="0">
+                <a:solidFill>
+                  <a:srgbClr val="1E1E1E"/>
+                </a:solidFill>
+                <a:effectLst/>
+                <a:latin typeface="Apple SD Gothic Neo"/>
+              </a:rPr>
+              <a:t>된다</a:t>
+            </a:r>
+            <a:r>
+              <a:rPr lang="en-US" altLang="ko-KR" b="0" i="0" dirty="0">
+                <a:solidFill>
+                  <a:srgbClr val="1E1E1E"/>
+                </a:solidFill>
+                <a:effectLst/>
+                <a:latin typeface="Apple SD Gothic Neo"/>
+              </a:rPr>
+              <a:t>.</a:t>
+            </a:r>
+            <a:br>
               <a:rPr lang="ko-KR" altLang="en-US" dirty="0"/>
-              <a:t>코로나로 공장 가동 중단 </a:t>
-            </a:r>
-            <a:endParaRPr lang="en-US" altLang="ko-KR" dirty="0"/>
-          </a:p>
-          <a:p>
-            <a:r>
-              <a:rPr lang="ko-KR" altLang="en-US" dirty="0" err="1"/>
-              <a:t>언택트</a:t>
-            </a:r>
-            <a:r>
+            </a:br>
+            <a:br>
               <a:rPr lang="ko-KR" altLang="en-US" dirty="0"/>
-              <a:t> </a:t>
-            </a:r>
-            <a:endParaRPr lang="en-US" altLang="ko-KR" dirty="0"/>
-          </a:p>
-          <a:p>
-            <a:r>
-              <a:rPr lang="ko-KR" altLang="en-US" dirty="0"/>
-              <a:t>포스트 코로나 시대</a:t>
-            </a:r>
-            <a:endParaRPr lang="en-US" altLang="ko-KR" dirty="0"/>
-          </a:p>
-          <a:p>
-            <a:endParaRPr lang="en-US" altLang="ko-KR" dirty="0"/>
-          </a:p>
-          <a:p>
-            <a:endParaRPr lang="en-US" altLang="ko-KR" dirty="0"/>
-          </a:p>
-          <a:p>
-            <a:r>
-              <a:rPr lang="ko-KR" altLang="en-US" dirty="0"/>
-              <a:t>관련 뉴스 발췌</a:t>
-            </a:r>
-            <a:r>
-              <a:rPr lang="en-US" altLang="ko-KR" dirty="0"/>
-              <a:t>(</a:t>
-            </a:r>
-            <a:r>
-              <a:rPr lang="ko-KR" altLang="en-US" dirty="0"/>
-              <a:t>출처 포함</a:t>
-            </a:r>
-            <a:r>
-              <a:rPr lang="en-US" altLang="ko-KR" dirty="0"/>
-              <a:t>)</a:t>
-            </a:r>
-            <a:r>
-              <a:rPr lang="ko-KR" altLang="en-US" dirty="0"/>
-              <a:t>  </a:t>
-            </a:r>
+            </a:br>
+            <a:r>
+              <a:rPr lang="ko-KR" altLang="en-US" b="0" i="0" dirty="0">
+                <a:solidFill>
+                  <a:srgbClr val="1E1E1E"/>
+                </a:solidFill>
+                <a:effectLst/>
+                <a:latin typeface="Apple SD Gothic Neo"/>
+              </a:rPr>
+              <a:t>출처 </a:t>
+            </a:r>
+            <a:r>
+              <a:rPr lang="en-US" altLang="ko-KR" b="0" i="0" dirty="0">
+                <a:solidFill>
+                  <a:srgbClr val="1E1E1E"/>
+                </a:solidFill>
+                <a:effectLst/>
+                <a:latin typeface="Apple SD Gothic Neo"/>
+              </a:rPr>
+              <a:t>: </a:t>
+            </a:r>
+            <a:r>
+              <a:rPr lang="ko-KR" altLang="en-US" b="0" i="0" dirty="0" err="1">
+                <a:solidFill>
+                  <a:srgbClr val="1E1E1E"/>
+                </a:solidFill>
+                <a:effectLst/>
+                <a:latin typeface="Apple SD Gothic Neo"/>
+              </a:rPr>
+              <a:t>일요서울</a:t>
+            </a:r>
+            <a:r>
+              <a:rPr lang="en-US" altLang="ko-KR" b="0" i="0" dirty="0" err="1">
+                <a:solidFill>
+                  <a:srgbClr val="1E1E1E"/>
+                </a:solidFill>
+                <a:effectLst/>
+                <a:latin typeface="Apple SD Gothic Neo"/>
+              </a:rPr>
+              <a:t>i</a:t>
+            </a:r>
+            <a:r>
+              <a:rPr lang="en-US" altLang="ko-KR" b="0" i="0" dirty="0">
+                <a:solidFill>
+                  <a:srgbClr val="1E1E1E"/>
+                </a:solidFill>
+                <a:effectLst/>
+                <a:latin typeface="Apple SD Gothic Neo"/>
+              </a:rPr>
+              <a:t>(http://www.ilyoseoul.co.kr)</a:t>
+            </a:r>
+            <a:endParaRPr lang="ko-KR" altLang="en-US" dirty="0"/>
           </a:p>
         </p:txBody>
       </p:sp>
@@ -17797,7 +19104,7 @@
           <p:nvPr/>
         </p:nvPicPr>
         <p:blipFill>
-          <a:blip r:embed="rId2" cstate="print">
+          <a:blip r:embed="rId3" cstate="print">
             <a:extLst>
               <a:ext uri="{28A0092B-C50C-407E-A947-70E740481C1C}">
                 <a14:useLocalDpi xmlns:a14="http://schemas.microsoft.com/office/drawing/2010/main" val="0"/>
@@ -17838,7 +19145,7 @@
           <p:nvPr/>
         </p:nvPicPr>
         <p:blipFill>
-          <a:blip r:embed="rId3">
+          <a:blip r:embed="rId4">
             <a:extLst>
               <a:ext uri="{28A0092B-C50C-407E-A947-70E740481C1C}">
                 <a14:useLocalDpi xmlns:a14="http://schemas.microsoft.com/office/drawing/2010/main" val="0"/>
@@ -18161,7 +19468,7 @@
           <p:nvPr/>
         </p:nvPicPr>
         <p:blipFill>
-          <a:blip r:embed="rId4">
+          <a:blip r:embed="rId5">
             <a:extLst>
               <a:ext uri="{28A0092B-C50C-407E-A947-70E740481C1C}">
                 <a14:useLocalDpi xmlns:a14="http://schemas.microsoft.com/office/drawing/2010/main" val="0"/>
@@ -18184,10 +19491,10 @@
       </p:pic>
       <p:sp>
         <p:nvSpPr>
-          <p:cNvPr id="10" name="TextBox 9">
+          <p:cNvPr id="2" name="TextBox 1">
             <a:extLst>
               <a:ext uri="{FF2B5EF4-FFF2-40B4-BE49-F238E27FC236}">
-                <a16:creationId xmlns:a16="http://schemas.microsoft.com/office/drawing/2014/main" id="{FC993A00-A988-41B6-B49B-D297C6C614F6}"/>
+                <a16:creationId xmlns:a16="http://schemas.microsoft.com/office/drawing/2014/main" id="{9F75075C-2207-4356-9BBB-C02923A40C8C}"/>
               </a:ext>
             </a:extLst>
           </p:cNvPr>
@@ -18196,8 +19503,8 @@
         </p:nvSpPr>
         <p:spPr>
           <a:xfrm>
-            <a:off x="6817259" y="2362954"/>
-            <a:ext cx="3087232" cy="1754326"/>
+            <a:off x="6221915" y="2531166"/>
+            <a:ext cx="5032443" cy="2031325"/>
           </a:xfrm>
           <a:prstGeom prst="rect">
             <a:avLst/>
@@ -18211,60 +19518,224 @@
           <a:lstStyle/>
           <a:p>
             <a:r>
-              <a:rPr lang="ko-KR" altLang="en-US" dirty="0" err="1"/>
-              <a:t>스마트팩토리</a:t>
-            </a:r>
-            <a:r>
-              <a:rPr lang="ko-KR" altLang="en-US" dirty="0"/>
-              <a:t> 투자 증가 </a:t>
-            </a:r>
-            <a:endParaRPr lang="en-US" altLang="ko-KR" dirty="0"/>
-          </a:p>
-          <a:p>
-            <a:r>
-              <a:rPr lang="ko-KR" altLang="en-US" dirty="0" err="1"/>
-              <a:t>스마트팩토리</a:t>
-            </a:r>
-            <a:r>
-              <a:rPr lang="ko-KR" altLang="en-US" dirty="0"/>
-              <a:t> 공장 증가</a:t>
-            </a:r>
-            <a:endParaRPr lang="en-US" altLang="ko-KR" dirty="0"/>
-          </a:p>
-          <a:p>
-            <a:r>
-              <a:rPr lang="ko-KR" altLang="en-US" dirty="0"/>
-              <a:t>등등</a:t>
-            </a:r>
-            <a:endParaRPr lang="en-US" altLang="ko-KR" dirty="0"/>
-          </a:p>
-          <a:p>
-            <a:endParaRPr lang="en-US" altLang="ko-KR" dirty="0"/>
-          </a:p>
-          <a:p>
-            <a:endParaRPr lang="en-US" altLang="ko-KR" dirty="0"/>
-          </a:p>
-          <a:p>
-            <a:r>
-              <a:rPr lang="ko-KR" altLang="en-US" dirty="0"/>
-              <a:t>관련 뉴스 발췌</a:t>
-            </a:r>
-            <a:r>
-              <a:rPr lang="en-US" altLang="ko-KR" dirty="0"/>
-              <a:t> (</a:t>
-            </a:r>
-            <a:r>
-              <a:rPr lang="ko-KR" altLang="en-US" dirty="0"/>
-              <a:t>출처 포함</a:t>
-            </a:r>
-            <a:r>
-              <a:rPr lang="en-US" altLang="ko-KR" dirty="0"/>
-              <a:t>)</a:t>
-            </a:r>
-            <a:r>
-              <a:rPr lang="ko-KR" altLang="en-US" dirty="0"/>
-              <a:t>  </a:t>
-            </a:r>
+              <a:rPr lang="ko-KR" altLang="en-US" b="0" i="0" dirty="0">
+                <a:solidFill>
+                  <a:srgbClr val="FF0000"/>
+                </a:solidFill>
+                <a:effectLst/>
+                <a:latin typeface="HelveticaNeue-Light"/>
+              </a:rPr>
+              <a:t>전 세계 스마트 팩토리 시장</a:t>
+            </a:r>
+            <a:r>
+              <a:rPr lang="ko-KR" altLang="en-US" b="0" i="0" dirty="0">
+                <a:solidFill>
+                  <a:srgbClr val="111111"/>
+                </a:solidFill>
+                <a:effectLst/>
+                <a:latin typeface="HelveticaNeue-Light"/>
+              </a:rPr>
+              <a:t>이 </a:t>
+            </a:r>
+            <a:r>
+              <a:rPr lang="en-US" altLang="ko-KR" b="0" i="0" dirty="0">
+                <a:solidFill>
+                  <a:srgbClr val="111111"/>
+                </a:solidFill>
+                <a:effectLst/>
+                <a:latin typeface="HelveticaNeue-Light"/>
+              </a:rPr>
+              <a:t>2024</a:t>
+            </a:r>
+            <a:r>
+              <a:rPr lang="ko-KR" altLang="en-US" b="0" i="0" dirty="0">
+                <a:solidFill>
+                  <a:srgbClr val="111111"/>
+                </a:solidFill>
+                <a:effectLst/>
+                <a:latin typeface="HelveticaNeue-Light"/>
+              </a:rPr>
+              <a:t>년 약 </a:t>
+            </a:r>
+            <a:r>
+              <a:rPr lang="en-US" altLang="ko-KR" b="0" i="0" dirty="0">
+                <a:solidFill>
+                  <a:srgbClr val="FF0000"/>
+                </a:solidFill>
+                <a:effectLst/>
+                <a:latin typeface="HelveticaNeue-Light"/>
+              </a:rPr>
+              <a:t>244</a:t>
+            </a:r>
+            <a:r>
+              <a:rPr lang="ko-KR" altLang="en-US" b="0" i="0" dirty="0">
+                <a:solidFill>
+                  <a:srgbClr val="FF0000"/>
+                </a:solidFill>
+                <a:effectLst/>
+                <a:latin typeface="HelveticaNeue-Light"/>
+              </a:rPr>
+              <a:t>조</a:t>
+            </a:r>
+            <a:r>
+              <a:rPr lang="ko-KR" altLang="en-US" b="0" i="0" dirty="0">
+                <a:solidFill>
+                  <a:srgbClr val="111111"/>
+                </a:solidFill>
+                <a:effectLst/>
+                <a:latin typeface="HelveticaNeue-Light"/>
+              </a:rPr>
+              <a:t>원</a:t>
+            </a:r>
+            <a:r>
+              <a:rPr lang="en-US" altLang="ko-KR" b="0" i="0" dirty="0">
+                <a:solidFill>
+                  <a:srgbClr val="111111"/>
+                </a:solidFill>
+                <a:effectLst/>
+                <a:latin typeface="HelveticaNeue-Light"/>
+              </a:rPr>
+              <a:t>, </a:t>
+            </a:r>
+            <a:r>
+              <a:rPr lang="ko-KR" altLang="en-US" b="0" i="0" dirty="0">
+                <a:solidFill>
+                  <a:srgbClr val="FF0000"/>
+                </a:solidFill>
+                <a:effectLst/>
+                <a:latin typeface="HelveticaNeue-Light"/>
+              </a:rPr>
+              <a:t>국내 시장</a:t>
+            </a:r>
+            <a:r>
+              <a:rPr lang="ko-KR" altLang="en-US" b="0" i="0" dirty="0">
+                <a:solidFill>
+                  <a:srgbClr val="111111"/>
+                </a:solidFill>
+                <a:effectLst/>
+                <a:latin typeface="HelveticaNeue-Light"/>
+              </a:rPr>
+              <a:t>은 약 </a:t>
+            </a:r>
+            <a:r>
+              <a:rPr lang="en-US" altLang="ko-KR" b="0" i="0" dirty="0">
+                <a:solidFill>
+                  <a:srgbClr val="FF0000"/>
+                </a:solidFill>
+                <a:effectLst/>
+                <a:latin typeface="HelveticaNeue-Light"/>
+              </a:rPr>
+              <a:t>17</a:t>
+            </a:r>
+            <a:r>
+              <a:rPr lang="ko-KR" altLang="en-US" b="0" i="0" dirty="0">
+                <a:solidFill>
+                  <a:srgbClr val="FF0000"/>
+                </a:solidFill>
+                <a:effectLst/>
+                <a:latin typeface="HelveticaNeue-Light"/>
+              </a:rPr>
+              <a:t>조</a:t>
+            </a:r>
+            <a:r>
+              <a:rPr lang="ko-KR" altLang="en-US" b="0" i="0" dirty="0">
+                <a:solidFill>
+                  <a:srgbClr val="111111"/>
+                </a:solidFill>
+                <a:effectLst/>
+                <a:latin typeface="HelveticaNeue-Light"/>
+              </a:rPr>
+              <a:t>원 규모로 </a:t>
+            </a:r>
+            <a:r>
+              <a:rPr lang="ko-KR" altLang="en-US" b="0" i="0" dirty="0">
+                <a:solidFill>
+                  <a:srgbClr val="FF0000"/>
+                </a:solidFill>
+                <a:effectLst/>
+                <a:latin typeface="HelveticaNeue-Light"/>
+              </a:rPr>
+              <a:t>성장</a:t>
+            </a:r>
+            <a:r>
+              <a:rPr lang="ko-KR" altLang="en-US" b="0" i="0" dirty="0">
+                <a:solidFill>
+                  <a:srgbClr val="111111"/>
+                </a:solidFill>
+                <a:effectLst/>
+                <a:latin typeface="HelveticaNeue-Light"/>
+              </a:rPr>
+              <a:t>할 것으로 전망했다</a:t>
+            </a:r>
+            <a:r>
+              <a:rPr lang="en-US" altLang="ko-KR" b="0" i="0" dirty="0">
+                <a:solidFill>
+                  <a:srgbClr val="111111"/>
+                </a:solidFill>
+                <a:effectLst/>
+                <a:latin typeface="HelveticaNeue-Light"/>
+              </a:rPr>
+              <a:t>.</a:t>
+            </a:r>
+          </a:p>
+          <a:p>
+            <a:endParaRPr lang="en-US" altLang="ko-KR" dirty="0">
+              <a:solidFill>
+                <a:srgbClr val="111111"/>
+              </a:solidFill>
+              <a:latin typeface="HelveticaNeue-Light"/>
+            </a:endParaRPr>
+          </a:p>
+          <a:p>
+            <a:r>
+              <a:rPr lang="ko-KR" altLang="en-US" b="0" i="0" dirty="0">
+                <a:solidFill>
+                  <a:srgbClr val="1E1E1E"/>
+                </a:solidFill>
+                <a:effectLst/>
+                <a:latin typeface="Apple SD Gothic Neo"/>
+              </a:rPr>
+              <a:t>출처 </a:t>
+            </a:r>
+            <a:r>
+              <a:rPr lang="en-US" altLang="ko-KR" b="0" i="0" dirty="0">
+                <a:solidFill>
+                  <a:srgbClr val="1E1E1E"/>
+                </a:solidFill>
+                <a:effectLst/>
+                <a:latin typeface="Apple SD Gothic Neo"/>
+              </a:rPr>
+              <a:t>: </a:t>
+            </a:r>
+            <a:r>
+              <a:rPr lang="ko-KR" altLang="en-US" dirty="0" err="1">
+                <a:solidFill>
+                  <a:srgbClr val="1E1E1E"/>
+                </a:solidFill>
+                <a:latin typeface="Apple SD Gothic Neo"/>
+              </a:rPr>
+              <a:t>아주경제</a:t>
+            </a:r>
+            <a:r>
+              <a:rPr lang="en-US" altLang="ko-KR" b="0" i="0" dirty="0">
+                <a:solidFill>
+                  <a:srgbClr val="1E1E1E"/>
+                </a:solidFill>
+                <a:effectLst/>
+                <a:latin typeface="Apple SD Gothic Neo"/>
+              </a:rPr>
+              <a:t>(https://m.ajunews.com/amp/20210917154020452)</a:t>
+            </a:r>
+            <a:endParaRPr lang="en-US" altLang="ko-KR" b="0" i="0" dirty="0">
+              <a:solidFill>
+                <a:srgbClr val="111111"/>
+              </a:solidFill>
+              <a:effectLst/>
+              <a:latin typeface="HelveticaNeue-Light"/>
+            </a:endParaRPr>
+          </a:p>
+          <a:p>
+            <a:endParaRPr lang="ko-KR" altLang="en-US" dirty="0"/>
           </a:p>
         </p:txBody>
       </p:sp>
@@ -18307,7 +19778,7 @@
           <p:nvPr/>
         </p:nvPicPr>
         <p:blipFill>
-          <a:blip r:embed="rId2" cstate="print">
+          <a:blip r:embed="rId3" cstate="print">
             <a:extLst>
               <a:ext uri="{28A0092B-C50C-407E-A947-70E740481C1C}">
                 <a14:useLocalDpi xmlns:a14="http://schemas.microsoft.com/office/drawing/2010/main" val="0"/>
@@ -18348,7 +19819,7 @@
           <p:nvPr/>
         </p:nvPicPr>
         <p:blipFill>
-          <a:blip r:embed="rId3">
+          <a:blip r:embed="rId4">
             <a:extLst>
               <a:ext uri="{28A0092B-C50C-407E-A947-70E740481C1C}">
                 <a14:useLocalDpi xmlns:a14="http://schemas.microsoft.com/office/drawing/2010/main" val="0"/>
@@ -18671,7 +20142,7 @@
           <p:nvPr/>
         </p:nvPicPr>
         <p:blipFill>
-          <a:blip r:embed="rId4" cstate="print">
+          <a:blip r:embed="rId5" cstate="print">
             <a:extLst>
               <a:ext uri="{28A0092B-C50C-407E-A947-70E740481C1C}">
                 <a14:useLocalDpi xmlns:a14="http://schemas.microsoft.com/office/drawing/2010/main" val="0"/>
@@ -18684,7 +20155,7 @@
         </p:blipFill>
         <p:spPr>
           <a:xfrm>
-            <a:off x="1816985" y="2098140"/>
+            <a:off x="1765030" y="2150095"/>
             <a:ext cx="3006331" cy="2661719"/>
           </a:xfrm>
           <a:prstGeom prst="rect">
@@ -18694,10 +20165,10 @@
       </p:pic>
       <p:sp>
         <p:nvSpPr>
-          <p:cNvPr id="10" name="TextBox 9">
+          <p:cNvPr id="2" name="TextBox 1">
             <a:extLst>
               <a:ext uri="{FF2B5EF4-FFF2-40B4-BE49-F238E27FC236}">
-                <a16:creationId xmlns:a16="http://schemas.microsoft.com/office/drawing/2014/main" id="{59BDC3F9-4907-41BF-8B14-590E18ABE917}"/>
+                <a16:creationId xmlns:a16="http://schemas.microsoft.com/office/drawing/2014/main" id="{74B585EC-15A7-4B6F-9AD8-D6833725F8DD}"/>
               </a:ext>
             </a:extLst>
           </p:cNvPr>
@@ -18706,8 +20177,8 @@
         </p:nvSpPr>
         <p:spPr>
           <a:xfrm>
-            <a:off x="6817259" y="2362954"/>
-            <a:ext cx="3087232" cy="1200329"/>
+            <a:off x="5531796" y="1443840"/>
+            <a:ext cx="5752289" cy="3693319"/>
           </a:xfrm>
           <a:prstGeom prst="rect">
             <a:avLst/>
@@ -18720,51 +20191,419 @@
           </a:bodyPr>
           <a:lstStyle/>
           <a:p>
+            <a:endParaRPr lang="en-US" altLang="ko-KR" b="0" i="0" dirty="0">
+              <a:solidFill>
+                <a:srgbClr val="000000"/>
+              </a:solidFill>
+              <a:effectLst/>
+              <a:latin typeface="돋움" panose="020B0600000101010101" pitchFamily="50" charset="-127"/>
+              <a:ea typeface="돋움" panose="020B0600000101010101" pitchFamily="50" charset="-127"/>
+            </a:endParaRPr>
+          </a:p>
+          <a:p>
+            <a:pPr algn="l"/>
+            <a:r>
+              <a:rPr lang="ko-KR" altLang="en-US" dirty="0" err="1">
+                <a:solidFill>
+                  <a:srgbClr val="FF0000"/>
+                </a:solidFill>
+                <a:ea typeface="돋움" panose="020B0600000101010101" pitchFamily="50" charset="-127"/>
+              </a:rPr>
+              <a:t>삼성에스디에스</a:t>
+            </a:r>
+            <a:r>
+              <a:rPr lang="ko-KR" altLang="en-US" b="0" i="0" dirty="0" err="1">
+                <a:solidFill>
+                  <a:srgbClr val="000000"/>
+                </a:solidFill>
+                <a:effectLst/>
+                <a:ea typeface="돋움" panose="020B0600000101010101" pitchFamily="50" charset="-127"/>
+              </a:rPr>
+              <a:t>의</a:t>
+            </a:r>
+            <a:r>
+              <a:rPr lang="ko-KR" altLang="en-US" b="0" i="0" dirty="0">
+                <a:solidFill>
+                  <a:srgbClr val="000000"/>
+                </a:solidFill>
+                <a:effectLst/>
+                <a:ea typeface="돋움" panose="020B0600000101010101" pitchFamily="50" charset="-127"/>
+              </a:rPr>
+              <a:t> </a:t>
+            </a:r>
+            <a:r>
+              <a:rPr lang="en-US" altLang="ko-KR" b="0" i="0" dirty="0">
+                <a:solidFill>
+                  <a:srgbClr val="000000"/>
+                </a:solidFill>
+                <a:effectLst/>
+                <a:ea typeface="돋움" panose="020B0600000101010101" pitchFamily="50" charset="-127"/>
+              </a:rPr>
+              <a:t>3</a:t>
+            </a:r>
+            <a:r>
+              <a:rPr lang="ko-KR" altLang="en-US" b="0" i="0" dirty="0">
+                <a:solidFill>
+                  <a:srgbClr val="000000"/>
+                </a:solidFill>
+                <a:effectLst/>
+                <a:ea typeface="돋움" panose="020B0600000101010101" pitchFamily="50" charset="-127"/>
+              </a:rPr>
+              <a:t>분기 매출액은 </a:t>
+            </a:r>
+            <a:r>
+              <a:rPr lang="en-US" altLang="ko-KR" b="0" i="0" dirty="0">
+                <a:solidFill>
+                  <a:srgbClr val="000000"/>
+                </a:solidFill>
+                <a:effectLst/>
+                <a:ea typeface="돋움" panose="020B0600000101010101" pitchFamily="50" charset="-127"/>
+              </a:rPr>
+              <a:t>3.35</a:t>
+            </a:r>
+            <a:r>
+              <a:rPr lang="ko-KR" altLang="en-US" b="0" i="0" dirty="0">
+                <a:solidFill>
+                  <a:srgbClr val="000000"/>
+                </a:solidFill>
+                <a:effectLst/>
+                <a:ea typeface="돋움" panose="020B0600000101010101" pitchFamily="50" charset="-127"/>
+              </a:rPr>
+              <a:t>조 원</a:t>
+            </a:r>
+            <a:r>
+              <a:rPr lang="en-US" altLang="ko-KR" b="0" i="0" dirty="0">
+                <a:solidFill>
+                  <a:srgbClr val="000000"/>
+                </a:solidFill>
+                <a:effectLst/>
+                <a:ea typeface="돋움" panose="020B0600000101010101" pitchFamily="50" charset="-127"/>
+              </a:rPr>
+              <a:t>, </a:t>
+            </a:r>
+            <a:r>
+              <a:rPr lang="ko-KR" altLang="en-US" b="0" i="0" dirty="0">
+                <a:solidFill>
+                  <a:srgbClr val="000000"/>
+                </a:solidFill>
+                <a:effectLst/>
+                <a:ea typeface="돋움" panose="020B0600000101010101" pitchFamily="50" charset="-127"/>
+              </a:rPr>
+              <a:t>영업이익은 </a:t>
+            </a:r>
+            <a:r>
+              <a:rPr lang="en-US" altLang="ko-KR" b="0" i="0" dirty="0">
+                <a:solidFill>
+                  <a:srgbClr val="000000"/>
+                </a:solidFill>
+                <a:effectLst/>
+                <a:ea typeface="돋움" panose="020B0600000101010101" pitchFamily="50" charset="-127"/>
+              </a:rPr>
+              <a:t>2359</a:t>
+            </a:r>
+            <a:r>
+              <a:rPr lang="ko-KR" altLang="en-US" b="0" i="0" dirty="0">
+                <a:solidFill>
+                  <a:srgbClr val="000000"/>
+                </a:solidFill>
+                <a:effectLst/>
+                <a:ea typeface="돋움" panose="020B0600000101010101" pitchFamily="50" charset="-127"/>
+              </a:rPr>
+              <a:t>억 원을 기록할 것으로 전망된다</a:t>
+            </a:r>
+            <a:r>
+              <a:rPr lang="en-US" altLang="ko-KR" b="0" i="0" dirty="0">
+                <a:solidFill>
+                  <a:srgbClr val="000000"/>
+                </a:solidFill>
+                <a:effectLst/>
+                <a:ea typeface="돋움" panose="020B0600000101010101" pitchFamily="50" charset="-127"/>
+              </a:rPr>
+              <a:t>.IT</a:t>
+            </a:r>
+            <a:r>
+              <a:rPr lang="ko-KR" altLang="en-US" b="0" i="0" dirty="0">
+                <a:solidFill>
+                  <a:srgbClr val="000000"/>
+                </a:solidFill>
+                <a:effectLst/>
+                <a:ea typeface="돋움" panose="020B0600000101010101" pitchFamily="50" charset="-127"/>
+              </a:rPr>
+              <a:t>서비스 매출액은 </a:t>
+            </a:r>
+            <a:r>
+              <a:rPr lang="en-US" altLang="ko-KR" b="0" i="0" dirty="0">
+                <a:solidFill>
+                  <a:srgbClr val="000000"/>
+                </a:solidFill>
+                <a:effectLst/>
+                <a:ea typeface="돋움" panose="020B0600000101010101" pitchFamily="50" charset="-127"/>
+              </a:rPr>
+              <a:t>1.4</a:t>
+            </a:r>
+            <a:r>
+              <a:rPr lang="ko-KR" altLang="en-US" b="0" i="0" dirty="0">
+                <a:solidFill>
+                  <a:srgbClr val="000000"/>
+                </a:solidFill>
+                <a:effectLst/>
+                <a:ea typeface="돋움" panose="020B0600000101010101" pitchFamily="50" charset="-127"/>
+              </a:rPr>
+              <a:t>조 원으로 </a:t>
+            </a:r>
+            <a:r>
+              <a:rPr lang="ko-KR" altLang="en-US" b="0" i="0" dirty="0">
+                <a:solidFill>
+                  <a:srgbClr val="FF0000"/>
+                </a:solidFill>
+                <a:effectLst/>
+                <a:ea typeface="돋움" panose="020B0600000101010101" pitchFamily="50" charset="-127"/>
+              </a:rPr>
+              <a:t>전년 동기 대비 </a:t>
+            </a:r>
+            <a:r>
+              <a:rPr lang="en-US" altLang="ko-KR" b="0" i="0" dirty="0">
+                <a:solidFill>
+                  <a:srgbClr val="FF0000"/>
+                </a:solidFill>
+                <a:effectLst/>
+                <a:ea typeface="돋움" panose="020B0600000101010101" pitchFamily="50" charset="-127"/>
+              </a:rPr>
+              <a:t>5.3% </a:t>
+            </a:r>
+            <a:r>
+              <a:rPr lang="ko-KR" altLang="en-US" b="0" i="0" dirty="0">
+                <a:solidFill>
+                  <a:srgbClr val="FF0000"/>
+                </a:solidFill>
+                <a:effectLst/>
+                <a:ea typeface="돋움" panose="020B0600000101010101" pitchFamily="50" charset="-127"/>
+              </a:rPr>
+              <a:t>증가</a:t>
+            </a:r>
+            <a:r>
+              <a:rPr lang="ko-KR" altLang="en-US" b="0" i="0" dirty="0">
+                <a:solidFill>
+                  <a:srgbClr val="000000"/>
+                </a:solidFill>
+                <a:effectLst/>
+                <a:ea typeface="돋움" panose="020B0600000101010101" pitchFamily="50" charset="-127"/>
+              </a:rPr>
+              <a:t>할 것으로 예상한다</a:t>
+            </a:r>
+            <a:r>
+              <a:rPr lang="en-US" altLang="ko-KR" b="0" i="0" dirty="0">
+                <a:solidFill>
+                  <a:srgbClr val="000000"/>
+                </a:solidFill>
+                <a:effectLst/>
+                <a:ea typeface="돋움" panose="020B0600000101010101" pitchFamily="50" charset="-127"/>
+              </a:rPr>
+              <a:t>. </a:t>
+            </a:r>
+            <a:r>
+              <a:rPr lang="ko-KR" altLang="en-US" b="0" i="0" dirty="0">
+                <a:solidFill>
+                  <a:srgbClr val="000000"/>
+                </a:solidFill>
+                <a:effectLst/>
+                <a:ea typeface="돋움" panose="020B0600000101010101" pitchFamily="50" charset="-127"/>
+              </a:rPr>
+              <a:t>클라우드와 </a:t>
+            </a:r>
+            <a:r>
+              <a:rPr lang="ko-KR" altLang="en-US" b="0" i="0" dirty="0" err="1">
+                <a:solidFill>
+                  <a:srgbClr val="FF0000"/>
+                </a:solidFill>
+                <a:effectLst/>
+                <a:ea typeface="돋움" panose="020B0600000101010101" pitchFamily="50" charset="-127"/>
+              </a:rPr>
+              <a:t>스마트팩토리</a:t>
+            </a:r>
+            <a:r>
+              <a:rPr lang="en-US" altLang="ko-KR" b="0" i="0" dirty="0">
+                <a:solidFill>
+                  <a:srgbClr val="000000"/>
+                </a:solidFill>
+                <a:effectLst/>
+                <a:ea typeface="돋움" panose="020B0600000101010101" pitchFamily="50" charset="-127"/>
+              </a:rPr>
+              <a:t>, ERP </a:t>
+            </a:r>
+            <a:r>
+              <a:rPr lang="ko-KR" altLang="en-US" b="0" i="0" dirty="0">
+                <a:solidFill>
+                  <a:srgbClr val="000000"/>
+                </a:solidFill>
+                <a:effectLst/>
+                <a:ea typeface="돋움" panose="020B0600000101010101" pitchFamily="50" charset="-127"/>
+              </a:rPr>
+              <a:t>사업 부문이 </a:t>
+            </a:r>
+            <a:r>
+              <a:rPr lang="ko-KR" altLang="en-US" b="0" i="0" dirty="0">
+                <a:solidFill>
+                  <a:srgbClr val="FF0000"/>
+                </a:solidFill>
+                <a:effectLst/>
+                <a:ea typeface="돋움" panose="020B0600000101010101" pitchFamily="50" charset="-127"/>
+              </a:rPr>
+              <a:t>실적 성장의 주요 요인</a:t>
+            </a:r>
+            <a:r>
+              <a:rPr lang="ko-KR" altLang="en-US" b="0" i="0" dirty="0">
+                <a:solidFill>
+                  <a:srgbClr val="000000"/>
+                </a:solidFill>
+                <a:effectLst/>
+                <a:ea typeface="돋움" panose="020B0600000101010101" pitchFamily="50" charset="-127"/>
+              </a:rPr>
+              <a:t>이다</a:t>
+            </a:r>
+            <a:r>
+              <a:rPr lang="en-US" altLang="ko-KR" b="0" i="0" dirty="0">
+                <a:solidFill>
+                  <a:srgbClr val="000000"/>
+                </a:solidFill>
+                <a:effectLst/>
+                <a:ea typeface="돋움" panose="020B0600000101010101" pitchFamily="50" charset="-127"/>
+              </a:rPr>
+              <a:t>.</a:t>
+            </a:r>
+          </a:p>
+          <a:p>
+            <a:endParaRPr lang="en-US" altLang="ko-KR" b="0" i="0" dirty="0">
+              <a:solidFill>
+                <a:srgbClr val="000000"/>
+              </a:solidFill>
+              <a:effectLst/>
+              <a:ea typeface="돋움" panose="020B0600000101010101" pitchFamily="50" charset="-127"/>
+            </a:endParaRPr>
+          </a:p>
+          <a:p>
+            <a:r>
+              <a:rPr lang="ko-KR" altLang="en-US" b="0" i="0" dirty="0" err="1">
+                <a:effectLst/>
+                <a:ea typeface="돋움" panose="020B0600000101010101" pitchFamily="50" charset="-127"/>
+              </a:rPr>
+              <a:t>스마트팩토리</a:t>
+            </a:r>
+            <a:r>
+              <a:rPr lang="ko-KR" altLang="en-US" b="0" i="0" dirty="0">
+                <a:solidFill>
+                  <a:srgbClr val="000000"/>
+                </a:solidFill>
+                <a:effectLst/>
+                <a:ea typeface="돋움" panose="020B0600000101010101" pitchFamily="50" charset="-127"/>
+              </a:rPr>
+              <a:t> </a:t>
+            </a:r>
+            <a:r>
+              <a:rPr lang="ko-KR" altLang="en-US" b="0" i="0" dirty="0">
+                <a:solidFill>
+                  <a:srgbClr val="FF0000"/>
+                </a:solidFill>
+                <a:effectLst/>
+                <a:ea typeface="돋움" panose="020B0600000101010101" pitchFamily="50" charset="-127"/>
+              </a:rPr>
+              <a:t>매출액</a:t>
+            </a:r>
+            <a:r>
+              <a:rPr lang="ko-KR" altLang="en-US" b="0" i="0" dirty="0">
+                <a:solidFill>
+                  <a:srgbClr val="000000"/>
+                </a:solidFill>
+                <a:effectLst/>
+                <a:ea typeface="돋움" panose="020B0600000101010101" pitchFamily="50" charset="-127"/>
+              </a:rPr>
+              <a:t>은 제조 관계사들의 신규라인 증설</a:t>
+            </a:r>
+            <a:r>
+              <a:rPr lang="en-US" altLang="ko-KR" b="0" i="0" dirty="0">
+                <a:solidFill>
+                  <a:srgbClr val="000000"/>
+                </a:solidFill>
+                <a:effectLst/>
+                <a:ea typeface="돋움" panose="020B0600000101010101" pitchFamily="50" charset="-127"/>
+              </a:rPr>
+              <a:t>, </a:t>
+            </a:r>
+            <a:r>
+              <a:rPr lang="ko-KR" altLang="en-US" b="0" i="0" dirty="0">
+                <a:solidFill>
+                  <a:srgbClr val="000000"/>
+                </a:solidFill>
+                <a:effectLst/>
+                <a:ea typeface="돋움" panose="020B0600000101010101" pitchFamily="50" charset="-127"/>
+              </a:rPr>
+              <a:t>대외 고객 확대가 지속되며 </a:t>
+            </a:r>
+            <a:r>
+              <a:rPr lang="en-US" altLang="ko-KR" b="0" i="0" dirty="0">
+                <a:solidFill>
+                  <a:srgbClr val="FF0000"/>
+                </a:solidFill>
+                <a:effectLst/>
+                <a:ea typeface="돋움" panose="020B0600000101010101" pitchFamily="50" charset="-127"/>
+              </a:rPr>
+              <a:t>10% </a:t>
+            </a:r>
+            <a:r>
+              <a:rPr lang="ko-KR" altLang="en-US" b="0" i="0" dirty="0">
+                <a:solidFill>
+                  <a:srgbClr val="FF0000"/>
+                </a:solidFill>
+                <a:effectLst/>
+                <a:ea typeface="돋움" panose="020B0600000101010101" pitchFamily="50" charset="-127"/>
+              </a:rPr>
+              <a:t>이상의 성장세</a:t>
+            </a:r>
+            <a:r>
+              <a:rPr lang="ko-KR" altLang="en-US" b="0" i="0" dirty="0">
+                <a:solidFill>
+                  <a:srgbClr val="000000"/>
+                </a:solidFill>
+                <a:effectLst/>
+                <a:ea typeface="돋움" panose="020B0600000101010101" pitchFamily="50" charset="-127"/>
+              </a:rPr>
+              <a:t>가 지속될 것으로 전망한다</a:t>
+            </a:r>
+            <a:r>
+              <a:rPr lang="en-US" altLang="ko-KR" b="0" i="0" dirty="0">
+                <a:solidFill>
+                  <a:srgbClr val="000000"/>
+                </a:solidFill>
+                <a:effectLst/>
+                <a:ea typeface="돋움" panose="020B0600000101010101" pitchFamily="50" charset="-127"/>
+              </a:rPr>
+              <a:t>.</a:t>
+            </a:r>
+          </a:p>
+          <a:p>
+            <a:endParaRPr lang="en-US" altLang="ko-KR" dirty="0"/>
+          </a:p>
+          <a:p>
             <a:r>
               <a:rPr lang="ko-KR" altLang="en-US" dirty="0"/>
-              <a:t>효율성</a:t>
+              <a:t>출처</a:t>
             </a:r>
             <a:r>
               <a:rPr lang="en-US" altLang="ko-KR" dirty="0"/>
-              <a:t>, </a:t>
+              <a:t>: MK</a:t>
             </a:r>
             <a:r>
               <a:rPr lang="ko-KR" altLang="en-US" dirty="0"/>
-              <a:t>생산성 증가로 </a:t>
+              <a:t>증권</a:t>
             </a:r>
             <a:endParaRPr lang="en-US" altLang="ko-KR" dirty="0"/>
           </a:p>
           <a:p>
             <a:r>
-              <a:rPr lang="ko-KR" altLang="en-US" dirty="0"/>
-              <a:t>매출 증가 관련 뉴스 </a:t>
-            </a:r>
-            <a:endParaRPr lang="en-US" altLang="ko-KR" dirty="0"/>
-          </a:p>
-          <a:p>
-            <a:endParaRPr lang="en-US" altLang="ko-KR" dirty="0"/>
-          </a:p>
-          <a:p>
-            <a:r>
-              <a:rPr lang="ko-KR" altLang="en-US" dirty="0"/>
-              <a:t>관련 뉴스 발췌</a:t>
-            </a:r>
-            <a:r>
               <a:rPr lang="en-US" altLang="ko-KR" dirty="0"/>
-              <a:t> (</a:t>
-            </a:r>
-            <a:r>
-              <a:rPr lang="ko-KR" altLang="en-US" dirty="0"/>
-              <a:t>출처 포함</a:t>
-            </a:r>
-            <a:r>
-              <a:rPr lang="en-US" altLang="ko-KR" dirty="0"/>
-              <a:t>)</a:t>
-            </a:r>
-            <a:r>
-              <a:rPr lang="ko-KR" altLang="en-US" dirty="0"/>
-              <a:t>  </a:t>
-            </a:r>
+              <a:t>(http://vip.mk.co.kr/news/view/21/5/123750.html)</a:t>
+            </a:r>
+            <a:endParaRPr lang="ko-KR" altLang="en-US" dirty="0"/>
           </a:p>
         </p:txBody>
       </p:sp>
